--- a/FoundingBuddies/FoundingBuddies_Pitch.pptx
+++ b/FoundingBuddies/FoundingBuddies_Pitch.pptx
@@ -5,7 +5,7 @@
     <p:sldMasterId id="2147483648" r:id="rId1"/>
   </p:sldMasterIdLst>
   <p:notesMasterIdLst>
-    <p:notesMasterId r:id="rId9"/>
+    <p:notesMasterId r:id="rId11"/>
   </p:notesMasterIdLst>
   <p:sldIdLst>
     <p:sldId id="256" r:id="rId2"/>
@@ -15,6 +15,8 @@
     <p:sldId id="260" r:id="rId6"/>
     <p:sldId id="261" r:id="rId7"/>
     <p:sldId id="262" r:id="rId8"/>
+    <p:sldId id="263" r:id="rId9"/>
+    <p:sldId id="264" r:id="rId10"/>
   </p:sldIdLst>
   <p:sldSz cx="12192000" cy="6858000"/>
   <p:notesSz cx="6858000" cy="9144000"/>
@@ -283,7 +285,7 @@
       </p15:sldGuideLst>
     </p:ext>
     <p:ext uri="http://customooxmlschemas.google.com/">
-      <go:slidesCustomData xmlns:go="http://customooxmlschemas.google.com/" xmlns:p15="http://schemas.microsoft.com/office/powerpoint/2012/main" xmlns:p14="http://schemas.microsoft.com/office/powerpoint/2010/main" xmlns:com="http://schemas.openxmlformats.org/drawingml/2006/compatibility" xmlns:pvml="urn:schemas-microsoft-com:office:powerpoint" xmlns:v="urn:schemas-microsoft-com:vml" xmlns:o="urn:schemas-microsoft-com:office:office" xmlns:dgm="http://schemas.openxmlformats.org/drawingml/2006/diagram" xmlns:c="http://schemas.openxmlformats.org/drawingml/2006/chart" xmlns:mv="urn:schemas-microsoft-com:mac:vml" xmlns:mc="http://schemas.openxmlformats.org/markup-compatibility/2006" xmlns="" r:id="rId12" roundtripDataSignature="AMtx7miPr667UYF9sXkcN0EMU6WIr85DMA=="/>
+      <go:slidesCustomData xmlns="" xmlns:mc="http://schemas.openxmlformats.org/markup-compatibility/2006" xmlns:mv="urn:schemas-microsoft-com:mac:vml" xmlns:c="http://schemas.openxmlformats.org/drawingml/2006/chart" xmlns:dgm="http://schemas.openxmlformats.org/drawingml/2006/diagram" xmlns:o="urn:schemas-microsoft-com:office:office" xmlns:v="urn:schemas-microsoft-com:vml" xmlns:pvml="urn:schemas-microsoft-com:office:powerpoint" xmlns:com="http://schemas.openxmlformats.org/drawingml/2006/compatibility" xmlns:p14="http://schemas.microsoft.com/office/powerpoint/2010/main" xmlns:p15="http://schemas.microsoft.com/office/powerpoint/2012/main" xmlns:go="http://customooxmlschemas.google.com/" r:id="rId12" roundtripDataSignature="AMtx7miPr667UYF9sXkcN0EMU6WIr85DMA=="/>
     </p:ext>
   </p:extLst>
 </p:presentation>
@@ -1233,7 +1235,7 @@
                 <a:cs typeface="Calibri"/>
                 <a:sym typeface="Calibri"/>
               </a:rPr>
-              <a:t>‹#›</a:t>
+              <a:t>‹Nr.›</a:t>
             </a:fld>
             <a:endParaRPr sz="1200" b="0" i="0" u="none" strike="noStrike" cap="none">
               <a:solidFill>
@@ -2253,6 +2255,255 @@
 </p:notes>
 </file>
 
+<file path=ppt/notesSlides/notesSlide8.xml><?xml version="1.0" encoding="utf-8"?>
+<p:notes xmlns:a="http://schemas.openxmlformats.org/drawingml/2006/main" xmlns:r="http://schemas.openxmlformats.org/officeDocument/2006/relationships" xmlns:p="http://schemas.openxmlformats.org/presentationml/2006/main">
+  <p:cSld>
+    <p:spTree>
+      <p:nvGrpSpPr>
+        <p:cNvPr id="1" name=""/>
+        <p:cNvGrpSpPr/>
+        <p:nvPr/>
+      </p:nvGrpSpPr>
+      <p:grpSpPr>
+        <a:xfrm>
+          <a:off x="0" y="0"/>
+          <a:ext cx="0" cy="0"/>
+          <a:chOff x="0" y="0"/>
+          <a:chExt cx="0" cy="0"/>
+        </a:xfrm>
+      </p:grpSpPr>
+      <p:sp>
+        <p:nvSpPr>
+          <p:cNvPr id="2" name="Folienbildplatzhalter 1"/>
+          <p:cNvSpPr>
+            <a:spLocks noGrp="1" noRot="1" noChangeAspect="1"/>
+          </p:cNvSpPr>
+          <p:nvPr>
+            <p:ph type="sldImg"/>
+          </p:nvPr>
+        </p:nvSpPr>
+        <p:spPr/>
+      </p:sp>
+      <p:sp>
+        <p:nvSpPr>
+          <p:cNvPr id="3" name="Notizenplatzhalter 2"/>
+          <p:cNvSpPr>
+            <a:spLocks noGrp="1"/>
+          </p:cNvSpPr>
+          <p:nvPr>
+            <p:ph type="body" idx="1"/>
+          </p:nvPr>
+        </p:nvSpPr>
+        <p:spPr/>
+        <p:txBody>
+          <a:bodyPr/>
+          <a:lstStyle/>
+          <a:p>
+            <a:r>
+              <a:rPr lang="de-DE" dirty="0"/>
+              <a:t>120.000 Studenten (Quelle: muenchen.de)</a:t>
+            </a:r>
+          </a:p>
+          <a:p>
+            <a:r>
+              <a:rPr lang="de-DE" dirty="0"/>
+              <a:t>Unternehmertum bildet jedes Jahr 1000 Leute weiter (Quelle: Unternehmertum Handbuch S.33)</a:t>
+            </a:r>
+          </a:p>
+          <a:p>
+            <a:endParaRPr lang="de-DE" dirty="0"/>
+          </a:p>
+          <a:p>
+            <a:pPr marL="457200" marR="0" lvl="0" indent="-228600" algn="l" defTabSz="914400" rtl="0" eaLnBrk="1" fontAlgn="auto" latinLnBrk="0" hangingPunct="1">
+              <a:lnSpc>
+                <a:spcPct val="100000"/>
+              </a:lnSpc>
+              <a:spcBef>
+                <a:spcPts val="0"/>
+              </a:spcBef>
+              <a:spcAft>
+                <a:spcPts val="0"/>
+              </a:spcAft>
+              <a:buClr>
+                <a:srgbClr val="000000"/>
+              </a:buClr>
+              <a:buSzPts val="1400"/>
+              <a:buFont typeface="Arial"/>
+              <a:buNone/>
+              <a:tabLst/>
+              <a:defRPr/>
+            </a:pPr>
+            <a:r>
+              <a:rPr lang="de-DE" sz="1200" b="1" dirty="0">
+                <a:solidFill>
+                  <a:srgbClr val="1BE1A8"/>
+                </a:solidFill>
+              </a:rPr>
+              <a:t>In Munich: 20.000 </a:t>
+            </a:r>
+            <a:r>
+              <a:rPr lang="de-DE" sz="1200" b="1" dirty="0" err="1">
+                <a:solidFill>
+                  <a:srgbClr val="1BE1A8"/>
+                </a:solidFill>
+              </a:rPr>
+              <a:t>new</a:t>
+            </a:r>
+            <a:r>
+              <a:rPr lang="de-DE" sz="1200" b="1" dirty="0">
+                <a:solidFill>
+                  <a:srgbClr val="1BE1A8"/>
+                </a:solidFill>
+              </a:rPr>
+              <a:t> </a:t>
+            </a:r>
+            <a:r>
+              <a:rPr lang="de-DE" sz="1200" b="1" dirty="0" err="1">
+                <a:solidFill>
+                  <a:srgbClr val="1BE1A8"/>
+                </a:solidFill>
+              </a:rPr>
+              <a:t>students</a:t>
+            </a:r>
+            <a:r>
+              <a:rPr lang="de-DE" sz="1200" b="1" dirty="0">
+                <a:solidFill>
+                  <a:srgbClr val="1BE1A8"/>
+                </a:solidFill>
+              </a:rPr>
+              <a:t> </a:t>
+            </a:r>
+            <a:r>
+              <a:rPr lang="de-DE" sz="1200" b="1" dirty="0" err="1">
+                <a:solidFill>
+                  <a:srgbClr val="1BE1A8"/>
+                </a:solidFill>
+              </a:rPr>
+              <a:t>every</a:t>
+            </a:r>
+            <a:r>
+              <a:rPr lang="de-DE" sz="1200" b="1" dirty="0">
+                <a:solidFill>
+                  <a:srgbClr val="1BE1A8"/>
+                </a:solidFill>
+              </a:rPr>
+              <a:t> </a:t>
+            </a:r>
+            <a:r>
+              <a:rPr lang="de-DE" sz="1200" b="1" dirty="0" err="1">
+                <a:solidFill>
+                  <a:srgbClr val="1BE1A8"/>
+                </a:solidFill>
+              </a:rPr>
+              <a:t>year</a:t>
+            </a:r>
+            <a:r>
+              <a:rPr lang="de-DE" sz="1200" b="1" dirty="0">
+                <a:solidFill>
+                  <a:srgbClr val="1BE1A8"/>
+                </a:solidFill>
+              </a:rPr>
+              <a:t> -&gt; 500 </a:t>
+            </a:r>
+            <a:r>
+              <a:rPr lang="de-DE" sz="1200" b="1" dirty="0" err="1">
+                <a:solidFill>
+                  <a:srgbClr val="1BE1A8"/>
+                </a:solidFill>
+              </a:rPr>
+              <a:t>new</a:t>
+            </a:r>
+            <a:r>
+              <a:rPr lang="de-DE" sz="1200" b="1" dirty="0">
+                <a:solidFill>
+                  <a:srgbClr val="1BE1A8"/>
+                </a:solidFill>
+              </a:rPr>
+              <a:t> </a:t>
+            </a:r>
+            <a:r>
+              <a:rPr lang="de-DE" sz="1200" b="1" dirty="0" err="1">
+                <a:solidFill>
+                  <a:srgbClr val="1BE1A8"/>
+                </a:solidFill>
+              </a:rPr>
+              <a:t>user</a:t>
+            </a:r>
+            <a:endParaRPr lang="de-DE" sz="1200" b="1" dirty="0">
+              <a:solidFill>
+                <a:srgbClr val="1BE1A8"/>
+              </a:solidFill>
+            </a:endParaRPr>
+          </a:p>
+          <a:p>
+            <a:endParaRPr lang="de-DE" dirty="0"/>
+          </a:p>
+          <a:p>
+            <a:endParaRPr lang="de-DE" dirty="0"/>
+          </a:p>
+        </p:txBody>
+      </p:sp>
+      <p:sp>
+        <p:nvSpPr>
+          <p:cNvPr id="4" name="Foliennummernplatzhalter 3"/>
+          <p:cNvSpPr>
+            <a:spLocks noGrp="1"/>
+          </p:cNvSpPr>
+          <p:nvPr>
+            <p:ph type="sldNum" idx="12"/>
+          </p:nvPr>
+        </p:nvSpPr>
+        <p:spPr/>
+        <p:txBody>
+          <a:bodyPr/>
+          <a:lstStyle/>
+          <a:p>
+            <a:pPr marL="0" marR="0" lvl="0" indent="0" algn="r" rtl="0">
+              <a:spcBef>
+                <a:spcPts val="0"/>
+              </a:spcBef>
+              <a:spcAft>
+                <a:spcPts val="0"/>
+              </a:spcAft>
+              <a:buNone/>
+            </a:pPr>
+            <a:fld id="{00000000-1234-1234-1234-123412341234}" type="slidenum">
+              <a:rPr lang="de-DE" sz="1200" b="0" i="0" u="none" strike="noStrike" cap="none" smtClean="0">
+                <a:solidFill>
+                  <a:schemeClr val="dk1"/>
+                </a:solidFill>
+                <a:latin typeface="Calibri"/>
+                <a:ea typeface="Calibri"/>
+                <a:cs typeface="Calibri"/>
+                <a:sym typeface="Calibri"/>
+              </a:rPr>
+              <a:t>8</a:t>
+            </a:fld>
+            <a:endParaRPr lang="de-DE" sz="1200" b="0" i="0" u="none" strike="noStrike" cap="none">
+              <a:solidFill>
+                <a:schemeClr val="dk1"/>
+              </a:solidFill>
+              <a:latin typeface="Calibri"/>
+              <a:ea typeface="Calibri"/>
+              <a:cs typeface="Calibri"/>
+              <a:sym typeface="Calibri"/>
+            </a:endParaRPr>
+          </a:p>
+        </p:txBody>
+      </p:sp>
+    </p:spTree>
+    <p:extLst>
+      <p:ext uri="{BB962C8B-B14F-4D97-AF65-F5344CB8AC3E}">
+        <p14:creationId xmlns:p14="http://schemas.microsoft.com/office/powerpoint/2010/main" val="721510367"/>
+      </p:ext>
+    </p:extLst>
+  </p:cSld>
+  <p:clrMapOvr>
+    <a:masterClrMapping/>
+  </p:clrMapOvr>
+</p:notes>
+</file>
+
 <file path=ppt/slideLayouts/slideLayout1.xml><?xml version="1.0" encoding="utf-8"?>
 <p:sldLayout xmlns:a="http://schemas.openxmlformats.org/drawingml/2006/main" xmlns:r="http://schemas.openxmlformats.org/officeDocument/2006/relationships" xmlns:p="http://schemas.openxmlformats.org/presentationml/2006/main" matchingName="Title Slide" type="title">
   <p:cSld name="TITLE">
@@ -2967,7 +3218,7 @@
             </a:pPr>
             <a:fld id="{00000000-1234-1234-1234-123412341234}" type="slidenum">
               <a:rPr lang="de-DE"/>
-              <a:t>‹#›</a:t>
+              <a:t>‹Nr.›</a:t>
             </a:fld>
             <a:endParaRPr/>
           </a:p>
@@ -3694,7 +3945,7 @@
             </a:pPr>
             <a:fld id="{00000000-1234-1234-1234-123412341234}" type="slidenum">
               <a:rPr lang="de-DE"/>
-              <a:t>‹#›</a:t>
+              <a:t>‹Nr.›</a:t>
             </a:fld>
             <a:endParaRPr/>
           </a:p>
@@ -4421,7 +4672,7 @@
             </a:pPr>
             <a:fld id="{00000000-1234-1234-1234-123412341234}" type="slidenum">
               <a:rPr lang="de-DE"/>
-              <a:t>‹#›</a:t>
+              <a:t>‹Nr.›</a:t>
             </a:fld>
             <a:endParaRPr/>
           </a:p>
@@ -4822,7 +5073,7 @@
             </a:pPr>
             <a:fld id="{00000000-1234-1234-1234-123412341234}" type="slidenum">
               <a:rPr lang="de-DE"/>
-              <a:t>‹#›</a:t>
+              <a:t>‹Nr.›</a:t>
             </a:fld>
             <a:endParaRPr/>
           </a:p>
@@ -5549,7 +5800,7 @@
             </a:pPr>
             <a:fld id="{00000000-1234-1234-1234-123412341234}" type="slidenum">
               <a:rPr lang="de-DE"/>
-              <a:t>‹#›</a:t>
+              <a:t>‹Nr.›</a:t>
             </a:fld>
             <a:endParaRPr/>
           </a:p>
@@ -6313,7 +6564,7 @@
             </a:pPr>
             <a:fld id="{00000000-1234-1234-1234-123412341234}" type="slidenum">
               <a:rPr lang="de-DE"/>
-              <a:t>‹#›</a:t>
+              <a:t>‹Nr.›</a:t>
             </a:fld>
             <a:endParaRPr/>
           </a:p>
@@ -7227,7 +7478,7 @@
             </a:pPr>
             <a:fld id="{00000000-1234-1234-1234-123412341234}" type="slidenum">
               <a:rPr lang="de-DE"/>
-              <a:t>‹#›</a:t>
+              <a:t>‹Nr.›</a:t>
             </a:fld>
             <a:endParaRPr/>
           </a:p>
@@ -8515,7 +8766,7 @@
             </a:pPr>
             <a:fld id="{00000000-1234-1234-1234-123412341234}" type="slidenum">
               <a:rPr lang="de-DE"/>
-              <a:t>‹#›</a:t>
+              <a:t>‹Nr.›</a:t>
             </a:fld>
             <a:endParaRPr/>
           </a:p>
@@ -9055,7 +9306,7 @@
             </a:pPr>
             <a:fld id="{00000000-1234-1234-1234-123412341234}" type="slidenum">
               <a:rPr lang="de-DE"/>
-              <a:t>‹#›</a:t>
+              <a:t>‹Nr.›</a:t>
             </a:fld>
             <a:endParaRPr/>
           </a:p>
@@ -9970,7 +10221,7 @@
             </a:pPr>
             <a:fld id="{00000000-1234-1234-1234-123412341234}" type="slidenum">
               <a:rPr lang="de-DE"/>
-              <a:t>‹#›</a:t>
+              <a:t>‹Nr.›</a:t>
             </a:fld>
             <a:endParaRPr/>
           </a:p>
@@ -10966,7 +11217,7 @@
             </a:pPr>
             <a:fld id="{00000000-1234-1234-1234-123412341234}" type="slidenum">
               <a:rPr lang="de-DE"/>
-              <a:t>‹#›</a:t>
+              <a:t>‹Nr.›</a:t>
             </a:fld>
             <a:endParaRPr/>
           </a:p>
@@ -12007,7 +12258,7 @@
             </a:pPr>
             <a:fld id="{00000000-1234-1234-1234-123412341234}" type="slidenum">
               <a:rPr lang="de-DE"/>
-              <a:t>‹#›</a:t>
+              <a:t>‹Nr.›</a:t>
             </a:fld>
             <a:endParaRPr/>
           </a:p>
@@ -16327,7 +16578,7 @@
               <a:buNone/>
             </a:pPr>
             <a:r>
-              <a:rPr lang="de-DE" sz="2800" b="1" u="sng">
+              <a:rPr lang="de-DE" sz="2800" b="1" u="sng" dirty="0">
                 <a:solidFill>
                   <a:srgbClr val="1BE1A8"/>
                 </a:solidFill>
@@ -16338,7 +16589,7 @@
               </a:rPr>
               <a:t>Value Streams - Market/Customers</a:t>
             </a:r>
-            <a:endParaRPr sz="2800" b="1" u="sng">
+            <a:endParaRPr sz="2800" b="1" u="sng" dirty="0">
               <a:solidFill>
                 <a:srgbClr val="1BE1A8"/>
               </a:solidFill>
@@ -20141,6 +20392,1444 @@
 </p:sld>
 </file>
 
+<file path=ppt/slides/slide8.xml><?xml version="1.0" encoding="utf-8"?>
+<p:sld xmlns:a="http://schemas.openxmlformats.org/drawingml/2006/main" xmlns:r="http://schemas.openxmlformats.org/officeDocument/2006/relationships" xmlns:p="http://schemas.openxmlformats.org/presentationml/2006/main">
+  <p:cSld>
+    <p:spTree>
+      <p:nvGrpSpPr>
+        <p:cNvPr id="1" name=""/>
+        <p:cNvGrpSpPr/>
+        <p:nvPr/>
+      </p:nvGrpSpPr>
+      <p:grpSpPr>
+        <a:xfrm>
+          <a:off x="0" y="0"/>
+          <a:ext cx="0" cy="0"/>
+          <a:chOff x="0" y="0"/>
+          <a:chExt cx="0" cy="0"/>
+        </a:xfrm>
+      </p:grpSpPr>
+      <p:sp>
+        <p:nvSpPr>
+          <p:cNvPr id="2" name="Foliennummernplatzhalter 1">
+            <a:extLst>
+              <a:ext uri="{FF2B5EF4-FFF2-40B4-BE49-F238E27FC236}">
+                <a16:creationId xmlns:a16="http://schemas.microsoft.com/office/drawing/2014/main" id="{71B4B672-A35F-4657-AC5A-A17E08956697}"/>
+              </a:ext>
+            </a:extLst>
+          </p:cNvPr>
+          <p:cNvSpPr>
+            <a:spLocks noGrp="1"/>
+          </p:cNvSpPr>
+          <p:nvPr>
+            <p:ph type="sldNum" idx="12"/>
+          </p:nvPr>
+        </p:nvSpPr>
+        <p:spPr/>
+        <p:txBody>
+          <a:bodyPr/>
+          <a:lstStyle/>
+          <a:p>
+            <a:pPr marL="0" lvl="0" indent="0" algn="r" rtl="0">
+              <a:spcBef>
+                <a:spcPts val="0"/>
+              </a:spcBef>
+              <a:spcAft>
+                <a:spcPts val="0"/>
+              </a:spcAft>
+              <a:buNone/>
+            </a:pPr>
+            <a:fld id="{00000000-1234-1234-1234-123412341234}" type="slidenum">
+              <a:rPr lang="de-DE" smtClean="0"/>
+              <a:t>8</a:t>
+            </a:fld>
+            <a:endParaRPr lang="de-DE"/>
+          </a:p>
+        </p:txBody>
+      </p:sp>
+      <p:grpSp>
+        <p:nvGrpSpPr>
+          <p:cNvPr id="22" name="Gruppieren 21">
+            <a:extLst>
+              <a:ext uri="{FF2B5EF4-FFF2-40B4-BE49-F238E27FC236}">
+                <a16:creationId xmlns:a16="http://schemas.microsoft.com/office/drawing/2014/main" id="{0DFB0144-EBDD-47E0-B8D3-091F4933FA85}"/>
+              </a:ext>
+            </a:extLst>
+          </p:cNvPr>
+          <p:cNvGrpSpPr/>
+          <p:nvPr/>
+        </p:nvGrpSpPr>
+        <p:grpSpPr>
+          <a:xfrm>
+            <a:off x="492524" y="953705"/>
+            <a:ext cx="8628130" cy="5767770"/>
+            <a:chOff x="578933" y="588580"/>
+            <a:chExt cx="8503751" cy="5767770"/>
+          </a:xfrm>
+        </p:grpSpPr>
+        <p:sp>
+          <p:nvSpPr>
+            <p:cNvPr id="3" name="Textfeld 2">
+              <a:extLst>
+                <a:ext uri="{FF2B5EF4-FFF2-40B4-BE49-F238E27FC236}">
+                  <a16:creationId xmlns:a16="http://schemas.microsoft.com/office/drawing/2014/main" id="{CD60BB34-6A80-4331-AFC9-0A19FD4D5E54}"/>
+                </a:ext>
+              </a:extLst>
+            </p:cNvPr>
+            <p:cNvSpPr txBox="1"/>
+            <p:nvPr/>
+          </p:nvSpPr>
+          <p:spPr>
+            <a:xfrm>
+              <a:off x="3070765" y="720252"/>
+              <a:ext cx="2974428" cy="461665"/>
+            </a:xfrm>
+            <a:prstGeom prst="rect">
+              <a:avLst/>
+            </a:prstGeom>
+            <a:noFill/>
+          </p:spPr>
+          <p:txBody>
+            <a:bodyPr wrap="square" rtlCol="0">
+              <a:spAutoFit/>
+            </a:bodyPr>
+            <a:lstStyle/>
+            <a:p>
+              <a:r>
+                <a:rPr lang="de-DE" sz="2400" b="1" dirty="0" err="1">
+                  <a:solidFill>
+                    <a:schemeClr val="tx1"/>
+                  </a:solidFill>
+                </a:rPr>
+                <a:t>students</a:t>
+              </a:r>
+              <a:r>
+                <a:rPr lang="de-DE" sz="2400" b="1" dirty="0">
+                  <a:solidFill>
+                    <a:schemeClr val="tx1"/>
+                  </a:solidFill>
+                </a:rPr>
+                <a:t> in Munich</a:t>
+              </a:r>
+            </a:p>
+          </p:txBody>
+        </p:sp>
+        <p:sp>
+          <p:nvSpPr>
+            <p:cNvPr id="4" name="Textfeld 3">
+              <a:extLst>
+                <a:ext uri="{FF2B5EF4-FFF2-40B4-BE49-F238E27FC236}">
+                  <a16:creationId xmlns:a16="http://schemas.microsoft.com/office/drawing/2014/main" id="{77D54085-9415-4F21-B624-742F2AEE4D57}"/>
+                </a:ext>
+              </a:extLst>
+            </p:cNvPr>
+            <p:cNvSpPr txBox="1"/>
+            <p:nvPr/>
+          </p:nvSpPr>
+          <p:spPr>
+            <a:xfrm>
+              <a:off x="3081277" y="2400604"/>
+              <a:ext cx="6001407" cy="461665"/>
+            </a:xfrm>
+            <a:prstGeom prst="rect">
+              <a:avLst/>
+            </a:prstGeom>
+            <a:noFill/>
+          </p:spPr>
+          <p:txBody>
+            <a:bodyPr wrap="square" rtlCol="0">
+              <a:spAutoFit/>
+            </a:bodyPr>
+            <a:lstStyle/>
+            <a:p>
+              <a:r>
+                <a:rPr lang="de-DE" sz="2400" b="1" dirty="0" err="1">
+                  <a:solidFill>
+                    <a:schemeClr val="tx1"/>
+                  </a:solidFill>
+                </a:rPr>
+                <a:t>are</a:t>
+              </a:r>
+              <a:r>
+                <a:rPr lang="de-DE" sz="2400" b="1" dirty="0">
+                  <a:solidFill>
+                    <a:schemeClr val="tx1"/>
+                  </a:solidFill>
+                </a:rPr>
+                <a:t> </a:t>
+              </a:r>
+              <a:r>
+                <a:rPr lang="de-DE" sz="2400" b="1" dirty="0" err="1">
+                  <a:solidFill>
+                    <a:schemeClr val="tx1"/>
+                  </a:solidFill>
+                </a:rPr>
+                <a:t>interested</a:t>
+              </a:r>
+              <a:r>
+                <a:rPr lang="de-DE" sz="2400" b="1" dirty="0">
+                  <a:solidFill>
+                    <a:schemeClr val="tx1"/>
+                  </a:solidFill>
+                </a:rPr>
+                <a:t> in (</a:t>
+              </a:r>
+              <a:r>
+                <a:rPr lang="de-DE" sz="2400" b="1" dirty="0" err="1">
+                  <a:solidFill>
+                    <a:schemeClr val="tx1"/>
+                  </a:solidFill>
+                </a:rPr>
+                <a:t>co</a:t>
+              </a:r>
+              <a:r>
+                <a:rPr lang="de-DE" sz="2400" b="1" dirty="0">
+                  <a:solidFill>
+                    <a:schemeClr val="tx1"/>
+                  </a:solidFill>
+                </a:rPr>
+                <a:t>-)</a:t>
+              </a:r>
+              <a:r>
+                <a:rPr lang="de-DE" sz="2400" b="1" dirty="0" err="1">
+                  <a:solidFill>
+                    <a:schemeClr val="tx1"/>
+                  </a:solidFill>
+                </a:rPr>
+                <a:t>founding</a:t>
+              </a:r>
+              <a:r>
+                <a:rPr lang="de-DE" sz="2400" b="1" dirty="0">
+                  <a:solidFill>
+                    <a:schemeClr val="tx1"/>
+                  </a:solidFill>
+                </a:rPr>
+                <a:t> a </a:t>
+              </a:r>
+              <a:r>
+                <a:rPr lang="de-DE" sz="2400" b="1" dirty="0" err="1">
+                  <a:solidFill>
+                    <a:schemeClr val="tx1"/>
+                  </a:solidFill>
+                </a:rPr>
+                <a:t>startup</a:t>
+              </a:r>
+              <a:endParaRPr lang="de-DE" sz="2400" b="1" dirty="0">
+                <a:solidFill>
+                  <a:schemeClr val="tx1"/>
+                </a:solidFill>
+              </a:endParaRPr>
+            </a:p>
+          </p:txBody>
+        </p:sp>
+        <p:sp>
+          <p:nvSpPr>
+            <p:cNvPr id="5" name="Textfeld 4">
+              <a:extLst>
+                <a:ext uri="{FF2B5EF4-FFF2-40B4-BE49-F238E27FC236}">
+                  <a16:creationId xmlns:a16="http://schemas.microsoft.com/office/drawing/2014/main" id="{2F0F724A-6028-4BE3-9A6D-ECF7B6DCA3FC}"/>
+                </a:ext>
+              </a:extLst>
+            </p:cNvPr>
+            <p:cNvSpPr txBox="1"/>
+            <p:nvPr/>
+          </p:nvSpPr>
+          <p:spPr>
+            <a:xfrm>
+              <a:off x="3085189" y="4080956"/>
+              <a:ext cx="4687230" cy="461665"/>
+            </a:xfrm>
+            <a:prstGeom prst="rect">
+              <a:avLst/>
+            </a:prstGeom>
+            <a:noFill/>
+          </p:spPr>
+          <p:txBody>
+            <a:bodyPr wrap="square" rtlCol="0">
+              <a:spAutoFit/>
+            </a:bodyPr>
+            <a:lstStyle/>
+            <a:p>
+              <a:r>
+                <a:rPr lang="de-DE" sz="2400" b="1" dirty="0" err="1">
+                  <a:solidFill>
+                    <a:schemeClr val="tx1"/>
+                  </a:solidFill>
+                </a:rPr>
+                <a:t>are</a:t>
+              </a:r>
+              <a:r>
+                <a:rPr lang="de-DE" sz="2400" b="1" dirty="0">
+                  <a:solidFill>
+                    <a:schemeClr val="tx1"/>
+                  </a:solidFill>
+                </a:rPr>
+                <a:t> </a:t>
+              </a:r>
+              <a:r>
+                <a:rPr lang="de-DE" sz="2400" b="1" dirty="0" err="1">
+                  <a:solidFill>
+                    <a:schemeClr val="tx1"/>
+                  </a:solidFill>
+                </a:rPr>
+                <a:t>activly</a:t>
+              </a:r>
+              <a:r>
+                <a:rPr lang="de-DE" sz="2400" b="1" dirty="0">
+                  <a:solidFill>
+                    <a:schemeClr val="tx1"/>
+                  </a:solidFill>
+                </a:rPr>
+                <a:t> </a:t>
+              </a:r>
+              <a:r>
+                <a:rPr lang="de-DE" sz="2400" b="1" dirty="0" err="1">
+                  <a:solidFill>
+                    <a:schemeClr val="tx1"/>
+                  </a:solidFill>
+                </a:rPr>
+                <a:t>looking</a:t>
+              </a:r>
+              <a:r>
+                <a:rPr lang="de-DE" sz="2400" b="1" dirty="0">
+                  <a:solidFill>
+                    <a:schemeClr val="tx1"/>
+                  </a:solidFill>
+                </a:rPr>
+                <a:t> </a:t>
+              </a:r>
+              <a:r>
+                <a:rPr lang="de-DE" sz="2400" b="1" dirty="0" err="1">
+                  <a:solidFill>
+                    <a:schemeClr val="tx1"/>
+                  </a:solidFill>
+                </a:rPr>
+                <a:t>for</a:t>
+              </a:r>
+              <a:r>
+                <a:rPr lang="de-DE" sz="2400" b="1" dirty="0">
+                  <a:solidFill>
+                    <a:schemeClr val="tx1"/>
+                  </a:solidFill>
+                </a:rPr>
+                <a:t> </a:t>
+              </a:r>
+              <a:r>
+                <a:rPr lang="de-DE" sz="2400" b="1" dirty="0" err="1">
+                  <a:solidFill>
+                    <a:schemeClr val="tx1"/>
+                  </a:solidFill>
+                </a:rPr>
+                <a:t>startups</a:t>
+              </a:r>
+              <a:endParaRPr lang="de-DE" sz="2400" b="1" dirty="0">
+                <a:solidFill>
+                  <a:schemeClr val="tx1"/>
+                </a:solidFill>
+              </a:endParaRPr>
+            </a:p>
+          </p:txBody>
+        </p:sp>
+        <p:sp>
+          <p:nvSpPr>
+            <p:cNvPr id="6" name="Textfeld 5">
+              <a:extLst>
+                <a:ext uri="{FF2B5EF4-FFF2-40B4-BE49-F238E27FC236}">
+                  <a16:creationId xmlns:a16="http://schemas.microsoft.com/office/drawing/2014/main" id="{AF975327-DD45-4E46-8496-68CB024B872E}"/>
+                </a:ext>
+              </a:extLst>
+            </p:cNvPr>
+            <p:cNvSpPr txBox="1"/>
+            <p:nvPr/>
+          </p:nvSpPr>
+          <p:spPr>
+            <a:xfrm>
+              <a:off x="3087686" y="5676083"/>
+              <a:ext cx="2993942" cy="461665"/>
+            </a:xfrm>
+            <a:prstGeom prst="rect">
+              <a:avLst/>
+            </a:prstGeom>
+            <a:noFill/>
+          </p:spPr>
+          <p:txBody>
+            <a:bodyPr wrap="square" rtlCol="0">
+              <a:spAutoFit/>
+            </a:bodyPr>
+            <a:lstStyle/>
+            <a:p>
+              <a:r>
+                <a:rPr lang="de-DE" sz="2400" b="1" dirty="0">
+                  <a:solidFill>
+                    <a:schemeClr val="tx1"/>
+                  </a:solidFill>
+                </a:rPr>
+                <a:t>will </a:t>
+              </a:r>
+              <a:r>
+                <a:rPr lang="de-DE" sz="2400" b="1" dirty="0" err="1">
+                  <a:solidFill>
+                    <a:schemeClr val="tx1"/>
+                  </a:solidFill>
+                </a:rPr>
+                <a:t>use</a:t>
+              </a:r>
+              <a:r>
+                <a:rPr lang="de-DE" sz="2400" b="1" dirty="0">
+                  <a:solidFill>
+                    <a:schemeClr val="tx1"/>
+                  </a:solidFill>
+                </a:rPr>
+                <a:t> </a:t>
+              </a:r>
+              <a:r>
+                <a:rPr lang="de-DE" sz="2400" b="1" dirty="0" err="1">
+                  <a:solidFill>
+                    <a:schemeClr val="tx1"/>
+                  </a:solidFill>
+                </a:rPr>
+                <a:t>our</a:t>
+              </a:r>
+              <a:r>
+                <a:rPr lang="de-DE" sz="2400" b="1" dirty="0">
+                  <a:solidFill>
+                    <a:schemeClr val="tx1"/>
+                  </a:solidFill>
+                </a:rPr>
+                <a:t> </a:t>
+              </a:r>
+              <a:r>
+                <a:rPr lang="de-DE" sz="2400" b="1" dirty="0" err="1">
+                  <a:solidFill>
+                    <a:schemeClr val="tx1"/>
+                  </a:solidFill>
+                </a:rPr>
+                <a:t>service</a:t>
+              </a:r>
+              <a:endParaRPr lang="de-DE" sz="2400" b="1" dirty="0">
+                <a:solidFill>
+                  <a:schemeClr val="tx1"/>
+                </a:solidFill>
+              </a:endParaRPr>
+            </a:p>
+          </p:txBody>
+        </p:sp>
+        <p:grpSp>
+          <p:nvGrpSpPr>
+            <p:cNvPr id="12" name="Gruppieren 11">
+              <a:extLst>
+                <a:ext uri="{FF2B5EF4-FFF2-40B4-BE49-F238E27FC236}">
+                  <a16:creationId xmlns:a16="http://schemas.microsoft.com/office/drawing/2014/main" id="{66BF67CC-137E-4EE9-BE62-19C402AAC881}"/>
+                </a:ext>
+              </a:extLst>
+            </p:cNvPr>
+            <p:cNvGrpSpPr/>
+            <p:nvPr/>
+          </p:nvGrpSpPr>
+          <p:grpSpPr>
+            <a:xfrm>
+              <a:off x="578933" y="588580"/>
+              <a:ext cx="2646878" cy="5767770"/>
+              <a:chOff x="578933" y="542413"/>
+              <a:chExt cx="2646878" cy="5552769"/>
+            </a:xfrm>
+          </p:grpSpPr>
+          <p:sp>
+            <p:nvSpPr>
+              <p:cNvPr id="8" name="Textfeld 7">
+                <a:extLst>
+                  <a:ext uri="{FF2B5EF4-FFF2-40B4-BE49-F238E27FC236}">
+                    <a16:creationId xmlns:a16="http://schemas.microsoft.com/office/drawing/2014/main" id="{1FE84263-8DFE-4807-9388-33979D10FECD}"/>
+                  </a:ext>
+                </a:extLst>
+              </p:cNvPr>
+              <p:cNvSpPr txBox="1"/>
+              <p:nvPr/>
+            </p:nvSpPr>
+            <p:spPr>
+              <a:xfrm>
+                <a:off x="578933" y="542413"/>
+                <a:ext cx="2646878" cy="707886"/>
+              </a:xfrm>
+              <a:prstGeom prst="rect">
+                <a:avLst/>
+              </a:prstGeom>
+              <a:noFill/>
+            </p:spPr>
+            <p:txBody>
+              <a:bodyPr vert="horz" wrap="square" rtlCol="0" anchor="t" anchorCtr="0">
+                <a:spAutoFit/>
+              </a:bodyPr>
+              <a:lstStyle/>
+              <a:p>
+                <a:pPr algn="ctr"/>
+                <a:r>
+                  <a:rPr lang="de-DE" sz="4000" b="1" dirty="0">
+                    <a:solidFill>
+                      <a:schemeClr val="tx1"/>
+                    </a:solidFill>
+                  </a:rPr>
+                  <a:t>120.000</a:t>
+                </a:r>
+                <a:endParaRPr lang="de-DE" sz="2400" b="1" dirty="0">
+                  <a:solidFill>
+                    <a:schemeClr val="tx1"/>
+                  </a:solidFill>
+                </a:endParaRPr>
+              </a:p>
+            </p:txBody>
+          </p:sp>
+          <p:sp>
+            <p:nvSpPr>
+              <p:cNvPr id="9" name="Textfeld 8">
+                <a:extLst>
+                  <a:ext uri="{FF2B5EF4-FFF2-40B4-BE49-F238E27FC236}">
+                    <a16:creationId xmlns:a16="http://schemas.microsoft.com/office/drawing/2014/main" id="{9D9CEB77-FA41-4438-9175-5852ACB5BAF6}"/>
+                  </a:ext>
+                </a:extLst>
+              </p:cNvPr>
+              <p:cNvSpPr txBox="1"/>
+              <p:nvPr/>
+            </p:nvSpPr>
+            <p:spPr>
+              <a:xfrm>
+                <a:off x="886704" y="2157374"/>
+                <a:ext cx="2031325" cy="707886"/>
+              </a:xfrm>
+              <a:prstGeom prst="rect">
+                <a:avLst/>
+              </a:prstGeom>
+              <a:noFill/>
+            </p:spPr>
+            <p:txBody>
+              <a:bodyPr vert="horz" wrap="square" rtlCol="0" anchor="t" anchorCtr="0">
+                <a:spAutoFit/>
+              </a:bodyPr>
+              <a:lstStyle/>
+              <a:p>
+                <a:pPr algn="ctr"/>
+                <a:r>
+                  <a:rPr lang="de-DE" sz="4000" b="1" dirty="0">
+                    <a:solidFill>
+                      <a:schemeClr val="tx1"/>
+                    </a:solidFill>
+                  </a:rPr>
+                  <a:t>12.000</a:t>
+                </a:r>
+                <a:endParaRPr lang="de-DE" sz="2400" b="1" dirty="0">
+                  <a:solidFill>
+                    <a:schemeClr val="tx1"/>
+                  </a:solidFill>
+                </a:endParaRPr>
+              </a:p>
+            </p:txBody>
+          </p:sp>
+          <p:sp>
+            <p:nvSpPr>
+              <p:cNvPr id="10" name="Textfeld 9">
+                <a:extLst>
+                  <a:ext uri="{FF2B5EF4-FFF2-40B4-BE49-F238E27FC236}">
+                    <a16:creationId xmlns:a16="http://schemas.microsoft.com/office/drawing/2014/main" id="{7A5F1471-05EF-4272-AA0E-83B94D8E3351}"/>
+                  </a:ext>
+                </a:extLst>
+              </p:cNvPr>
+              <p:cNvSpPr txBox="1"/>
+              <p:nvPr/>
+            </p:nvSpPr>
+            <p:spPr>
+              <a:xfrm>
+                <a:off x="886704" y="3772335"/>
+                <a:ext cx="2031325" cy="707886"/>
+              </a:xfrm>
+              <a:prstGeom prst="rect">
+                <a:avLst/>
+              </a:prstGeom>
+              <a:noFill/>
+            </p:spPr>
+            <p:txBody>
+              <a:bodyPr vert="horz" wrap="square" rtlCol="0" anchor="t" anchorCtr="0">
+                <a:spAutoFit/>
+              </a:bodyPr>
+              <a:lstStyle/>
+              <a:p>
+                <a:pPr algn="ctr"/>
+                <a:r>
+                  <a:rPr lang="de-DE" sz="4000" b="1" dirty="0">
+                    <a:solidFill>
+                      <a:schemeClr val="tx1"/>
+                    </a:solidFill>
+                  </a:rPr>
+                  <a:t>6.000</a:t>
+                </a:r>
+                <a:endParaRPr lang="de-DE" sz="2400" b="1" dirty="0">
+                  <a:solidFill>
+                    <a:schemeClr val="tx1"/>
+                  </a:solidFill>
+                </a:endParaRPr>
+              </a:p>
+            </p:txBody>
+          </p:sp>
+          <p:sp>
+            <p:nvSpPr>
+              <p:cNvPr id="11" name="Textfeld 10">
+                <a:extLst>
+                  <a:ext uri="{FF2B5EF4-FFF2-40B4-BE49-F238E27FC236}">
+                    <a16:creationId xmlns:a16="http://schemas.microsoft.com/office/drawing/2014/main" id="{F201FF99-A98F-416A-98A7-A41A0C95E38A}"/>
+                  </a:ext>
+                </a:extLst>
+              </p:cNvPr>
+              <p:cNvSpPr txBox="1"/>
+              <p:nvPr/>
+            </p:nvSpPr>
+            <p:spPr>
+              <a:xfrm>
+                <a:off x="886703" y="5387296"/>
+                <a:ext cx="2031325" cy="707886"/>
+              </a:xfrm>
+              <a:prstGeom prst="rect">
+                <a:avLst/>
+              </a:prstGeom>
+              <a:noFill/>
+            </p:spPr>
+            <p:txBody>
+              <a:bodyPr vert="horz" wrap="square" rtlCol="0" anchor="t" anchorCtr="0">
+                <a:spAutoFit/>
+              </a:bodyPr>
+              <a:lstStyle/>
+              <a:p>
+                <a:pPr algn="ctr"/>
+                <a:r>
+                  <a:rPr lang="de-DE" sz="4000" b="1" dirty="0">
+                    <a:solidFill>
+                      <a:schemeClr val="tx1"/>
+                    </a:solidFill>
+                  </a:rPr>
+                  <a:t>3.000</a:t>
+                </a:r>
+                <a:endParaRPr lang="de-DE" sz="2400" b="1" dirty="0">
+                  <a:solidFill>
+                    <a:schemeClr val="tx1"/>
+                  </a:solidFill>
+                </a:endParaRPr>
+              </a:p>
+            </p:txBody>
+          </p:sp>
+        </p:grpSp>
+        <p:grpSp>
+          <p:nvGrpSpPr>
+            <p:cNvPr id="15" name="Gruppieren 14">
+              <a:extLst>
+                <a:ext uri="{FF2B5EF4-FFF2-40B4-BE49-F238E27FC236}">
+                  <a16:creationId xmlns:a16="http://schemas.microsoft.com/office/drawing/2014/main" id="{0F04A30E-6D29-4F3A-8894-A0F06095FB54}"/>
+                </a:ext>
+              </a:extLst>
+            </p:cNvPr>
+            <p:cNvGrpSpPr/>
+            <p:nvPr/>
+          </p:nvGrpSpPr>
+          <p:grpSpPr>
+            <a:xfrm>
+              <a:off x="1476696" y="1244496"/>
+              <a:ext cx="851337" cy="1036361"/>
+              <a:chOff x="1476696" y="1244496"/>
+              <a:chExt cx="851337" cy="1036361"/>
+            </a:xfrm>
+          </p:grpSpPr>
+          <p:sp>
+            <p:nvSpPr>
+              <p:cNvPr id="13" name="Pfeil: nach unten 12">
+                <a:extLst>
+                  <a:ext uri="{FF2B5EF4-FFF2-40B4-BE49-F238E27FC236}">
+                    <a16:creationId xmlns:a16="http://schemas.microsoft.com/office/drawing/2014/main" id="{B85BD5D8-CD32-4551-8992-E90829B84018}"/>
+                  </a:ext>
+                </a:extLst>
+              </p:cNvPr>
+              <p:cNvSpPr/>
+              <p:nvPr/>
+            </p:nvSpPr>
+            <p:spPr>
+              <a:xfrm>
+                <a:off x="1476696" y="1244496"/>
+                <a:ext cx="851337" cy="1036361"/>
+              </a:xfrm>
+              <a:prstGeom prst="downArrow">
+                <a:avLst/>
+              </a:prstGeom>
+              <a:solidFill>
+                <a:srgbClr val="1BE1A8"/>
+              </a:solidFill>
+              <a:ln>
+                <a:noFill/>
+              </a:ln>
+            </p:spPr>
+            <p:style>
+              <a:lnRef idx="2">
+                <a:schemeClr val="accent1">
+                  <a:shade val="50000"/>
+                </a:schemeClr>
+              </a:lnRef>
+              <a:fillRef idx="1">
+                <a:schemeClr val="accent1"/>
+              </a:fillRef>
+              <a:effectRef idx="0">
+                <a:schemeClr val="accent1"/>
+              </a:effectRef>
+              <a:fontRef idx="minor">
+                <a:schemeClr val="lt1"/>
+              </a:fontRef>
+            </p:style>
+            <p:txBody>
+              <a:bodyPr rtlCol="0" anchor="ctr"/>
+              <a:lstStyle/>
+              <a:p>
+                <a:pPr algn="ctr"/>
+                <a:endParaRPr lang="de-DE"/>
+              </a:p>
+            </p:txBody>
+          </p:sp>
+          <p:sp>
+            <p:nvSpPr>
+              <p:cNvPr id="14" name="Textfeld 13">
+                <a:extLst>
+                  <a:ext uri="{FF2B5EF4-FFF2-40B4-BE49-F238E27FC236}">
+                    <a16:creationId xmlns:a16="http://schemas.microsoft.com/office/drawing/2014/main" id="{6D3F5D06-9B8A-4C15-A833-DB970FD1AE87}"/>
+                  </a:ext>
+                </a:extLst>
+              </p:cNvPr>
+              <p:cNvSpPr txBox="1"/>
+              <p:nvPr/>
+            </p:nvSpPr>
+            <p:spPr>
+              <a:xfrm rot="5400000">
+                <a:off x="1412440" y="1531844"/>
+                <a:ext cx="979846" cy="461665"/>
+              </a:xfrm>
+              <a:prstGeom prst="rect">
+                <a:avLst/>
+              </a:prstGeom>
+              <a:noFill/>
+            </p:spPr>
+            <p:txBody>
+              <a:bodyPr wrap="square" rtlCol="0">
+                <a:spAutoFit/>
+              </a:bodyPr>
+              <a:lstStyle/>
+              <a:p>
+                <a:r>
+                  <a:rPr lang="de-DE" sz="2400" b="1" dirty="0">
+                    <a:solidFill>
+                      <a:schemeClr val="bg1"/>
+                    </a:solidFill>
+                  </a:rPr>
+                  <a:t>10%</a:t>
+                </a:r>
+              </a:p>
+            </p:txBody>
+          </p:sp>
+        </p:grpSp>
+        <p:grpSp>
+          <p:nvGrpSpPr>
+            <p:cNvPr id="16" name="Gruppieren 15">
+              <a:extLst>
+                <a:ext uri="{FF2B5EF4-FFF2-40B4-BE49-F238E27FC236}">
+                  <a16:creationId xmlns:a16="http://schemas.microsoft.com/office/drawing/2014/main" id="{0BCE10A4-6203-44A9-ABB7-ADF6DC258651}"/>
+                </a:ext>
+              </a:extLst>
+            </p:cNvPr>
+            <p:cNvGrpSpPr/>
+            <p:nvPr/>
+          </p:nvGrpSpPr>
+          <p:grpSpPr>
+            <a:xfrm>
+              <a:off x="1476694" y="2874538"/>
+              <a:ext cx="851337" cy="1036361"/>
+              <a:chOff x="1476696" y="1244496"/>
+              <a:chExt cx="851337" cy="1036361"/>
+            </a:xfrm>
+          </p:grpSpPr>
+          <p:sp>
+            <p:nvSpPr>
+              <p:cNvPr id="17" name="Pfeil: nach unten 16">
+                <a:extLst>
+                  <a:ext uri="{FF2B5EF4-FFF2-40B4-BE49-F238E27FC236}">
+                    <a16:creationId xmlns:a16="http://schemas.microsoft.com/office/drawing/2014/main" id="{11342850-5D0E-448A-9990-946E1CCB18DB}"/>
+                  </a:ext>
+                </a:extLst>
+              </p:cNvPr>
+              <p:cNvSpPr/>
+              <p:nvPr/>
+            </p:nvSpPr>
+            <p:spPr>
+              <a:xfrm>
+                <a:off x="1476696" y="1244496"/>
+                <a:ext cx="851337" cy="1036361"/>
+              </a:xfrm>
+              <a:prstGeom prst="downArrow">
+                <a:avLst/>
+              </a:prstGeom>
+              <a:solidFill>
+                <a:srgbClr val="1BE1A8"/>
+              </a:solidFill>
+              <a:ln>
+                <a:noFill/>
+              </a:ln>
+            </p:spPr>
+            <p:style>
+              <a:lnRef idx="2">
+                <a:schemeClr val="accent1">
+                  <a:shade val="50000"/>
+                </a:schemeClr>
+              </a:lnRef>
+              <a:fillRef idx="1">
+                <a:schemeClr val="accent1"/>
+              </a:fillRef>
+              <a:effectRef idx="0">
+                <a:schemeClr val="accent1"/>
+              </a:effectRef>
+              <a:fontRef idx="minor">
+                <a:schemeClr val="lt1"/>
+              </a:fontRef>
+            </p:style>
+            <p:txBody>
+              <a:bodyPr rtlCol="0" anchor="ctr"/>
+              <a:lstStyle/>
+              <a:p>
+                <a:pPr algn="ctr"/>
+                <a:endParaRPr lang="de-DE"/>
+              </a:p>
+            </p:txBody>
+          </p:sp>
+          <p:sp>
+            <p:nvSpPr>
+              <p:cNvPr id="18" name="Textfeld 17">
+                <a:extLst>
+                  <a:ext uri="{FF2B5EF4-FFF2-40B4-BE49-F238E27FC236}">
+                    <a16:creationId xmlns:a16="http://schemas.microsoft.com/office/drawing/2014/main" id="{50626744-4A5C-4870-B7EE-DD17A7EFE38A}"/>
+                  </a:ext>
+                </a:extLst>
+              </p:cNvPr>
+              <p:cNvSpPr txBox="1"/>
+              <p:nvPr/>
+            </p:nvSpPr>
+            <p:spPr>
+              <a:xfrm rot="5400000">
+                <a:off x="1412440" y="1531844"/>
+                <a:ext cx="979846" cy="461665"/>
+              </a:xfrm>
+              <a:prstGeom prst="rect">
+                <a:avLst/>
+              </a:prstGeom>
+              <a:noFill/>
+            </p:spPr>
+            <p:txBody>
+              <a:bodyPr wrap="square" rtlCol="0">
+                <a:spAutoFit/>
+              </a:bodyPr>
+              <a:lstStyle/>
+              <a:p>
+                <a:r>
+                  <a:rPr lang="de-DE" sz="2400" b="1" dirty="0">
+                    <a:solidFill>
+                      <a:schemeClr val="bg1"/>
+                    </a:solidFill>
+                  </a:rPr>
+                  <a:t>50%</a:t>
+                </a:r>
+              </a:p>
+            </p:txBody>
+          </p:sp>
+        </p:grpSp>
+        <p:grpSp>
+          <p:nvGrpSpPr>
+            <p:cNvPr id="19" name="Gruppieren 18">
+              <a:extLst>
+                <a:ext uri="{FF2B5EF4-FFF2-40B4-BE49-F238E27FC236}">
+                  <a16:creationId xmlns:a16="http://schemas.microsoft.com/office/drawing/2014/main" id="{1542D3F5-CF35-431A-A59B-BE5E84E31E6A}"/>
+                </a:ext>
+              </a:extLst>
+            </p:cNvPr>
+            <p:cNvGrpSpPr/>
+            <p:nvPr/>
+          </p:nvGrpSpPr>
+          <p:grpSpPr>
+            <a:xfrm>
+              <a:off x="1476694" y="4548886"/>
+              <a:ext cx="851337" cy="1036361"/>
+              <a:chOff x="1476696" y="1244496"/>
+              <a:chExt cx="851337" cy="1036361"/>
+            </a:xfrm>
+          </p:grpSpPr>
+          <p:sp>
+            <p:nvSpPr>
+              <p:cNvPr id="20" name="Pfeil: nach unten 19">
+                <a:extLst>
+                  <a:ext uri="{FF2B5EF4-FFF2-40B4-BE49-F238E27FC236}">
+                    <a16:creationId xmlns:a16="http://schemas.microsoft.com/office/drawing/2014/main" id="{9FA0C2C7-950B-4CB3-9535-B8EC3F362059}"/>
+                  </a:ext>
+                </a:extLst>
+              </p:cNvPr>
+              <p:cNvSpPr/>
+              <p:nvPr/>
+            </p:nvSpPr>
+            <p:spPr>
+              <a:xfrm>
+                <a:off x="1476696" y="1244496"/>
+                <a:ext cx="851337" cy="1036361"/>
+              </a:xfrm>
+              <a:prstGeom prst="downArrow">
+                <a:avLst/>
+              </a:prstGeom>
+              <a:solidFill>
+                <a:srgbClr val="1BE1A8"/>
+              </a:solidFill>
+              <a:ln>
+                <a:noFill/>
+              </a:ln>
+            </p:spPr>
+            <p:style>
+              <a:lnRef idx="2">
+                <a:schemeClr val="accent1">
+                  <a:shade val="50000"/>
+                </a:schemeClr>
+              </a:lnRef>
+              <a:fillRef idx="1">
+                <a:schemeClr val="accent1"/>
+              </a:fillRef>
+              <a:effectRef idx="0">
+                <a:schemeClr val="accent1"/>
+              </a:effectRef>
+              <a:fontRef idx="minor">
+                <a:schemeClr val="lt1"/>
+              </a:fontRef>
+            </p:style>
+            <p:txBody>
+              <a:bodyPr rtlCol="0" anchor="ctr"/>
+              <a:lstStyle/>
+              <a:p>
+                <a:pPr algn="ctr"/>
+                <a:endParaRPr lang="de-DE"/>
+              </a:p>
+            </p:txBody>
+          </p:sp>
+          <p:sp>
+            <p:nvSpPr>
+              <p:cNvPr id="21" name="Textfeld 20">
+                <a:extLst>
+                  <a:ext uri="{FF2B5EF4-FFF2-40B4-BE49-F238E27FC236}">
+                    <a16:creationId xmlns:a16="http://schemas.microsoft.com/office/drawing/2014/main" id="{126300C6-0D88-4E22-B35E-F6E8B6EB4E61}"/>
+                  </a:ext>
+                </a:extLst>
+              </p:cNvPr>
+              <p:cNvSpPr txBox="1"/>
+              <p:nvPr/>
+            </p:nvSpPr>
+            <p:spPr>
+              <a:xfrm rot="5400000">
+                <a:off x="1412440" y="1531844"/>
+                <a:ext cx="979846" cy="461665"/>
+              </a:xfrm>
+              <a:prstGeom prst="rect">
+                <a:avLst/>
+              </a:prstGeom>
+              <a:noFill/>
+            </p:spPr>
+            <p:txBody>
+              <a:bodyPr wrap="square" rtlCol="0">
+                <a:spAutoFit/>
+              </a:bodyPr>
+              <a:lstStyle/>
+              <a:p>
+                <a:r>
+                  <a:rPr lang="de-DE" sz="2400" b="1" dirty="0">
+                    <a:solidFill>
+                      <a:schemeClr val="bg1"/>
+                    </a:solidFill>
+                  </a:rPr>
+                  <a:t>50%</a:t>
+                </a:r>
+              </a:p>
+            </p:txBody>
+          </p:sp>
+        </p:grpSp>
+      </p:grpSp>
+      <p:sp>
+        <p:nvSpPr>
+          <p:cNvPr id="26" name="Textfeld 25">
+            <a:extLst>
+              <a:ext uri="{FF2B5EF4-FFF2-40B4-BE49-F238E27FC236}">
+                <a16:creationId xmlns:a16="http://schemas.microsoft.com/office/drawing/2014/main" id="{CC7C202C-A79D-4557-830E-F80B5D961CEF}"/>
+              </a:ext>
+            </a:extLst>
+          </p:cNvPr>
+          <p:cNvSpPr txBox="1"/>
+          <p:nvPr/>
+        </p:nvSpPr>
+        <p:spPr>
+          <a:xfrm>
+            <a:off x="804796" y="242806"/>
+            <a:ext cx="6292646" cy="523220"/>
+          </a:xfrm>
+          <a:prstGeom prst="rect">
+            <a:avLst/>
+          </a:prstGeom>
+          <a:noFill/>
+        </p:spPr>
+        <p:txBody>
+          <a:bodyPr wrap="square" rtlCol="0">
+            <a:spAutoFit/>
+          </a:bodyPr>
+          <a:lstStyle/>
+          <a:p>
+            <a:r>
+              <a:rPr lang="de-DE" sz="2800" b="1" u="sng" dirty="0">
+                <a:solidFill>
+                  <a:srgbClr val="1BE1A8"/>
+                </a:solidFill>
+              </a:rPr>
+              <a:t>User </a:t>
+            </a:r>
+            <a:r>
+              <a:rPr lang="de-DE" sz="2800" b="1" u="sng" dirty="0" err="1">
+                <a:solidFill>
+                  <a:srgbClr val="1BE1A8"/>
+                </a:solidFill>
+              </a:rPr>
+              <a:t>Aquisition</a:t>
+            </a:r>
+            <a:r>
+              <a:rPr lang="de-DE" sz="2800" b="1" u="sng" dirty="0">
+                <a:solidFill>
+                  <a:srgbClr val="1BE1A8"/>
+                </a:solidFill>
+              </a:rPr>
+              <a:t> </a:t>
+            </a:r>
+            <a:r>
+              <a:rPr lang="de-DE" sz="2800" b="1" u="sng" dirty="0" err="1">
+                <a:solidFill>
+                  <a:srgbClr val="1BE1A8"/>
+                </a:solidFill>
+              </a:rPr>
+              <a:t>within</a:t>
+            </a:r>
+            <a:r>
+              <a:rPr lang="de-DE" sz="2800" b="1" u="sng" dirty="0">
+                <a:solidFill>
+                  <a:srgbClr val="1BE1A8"/>
+                </a:solidFill>
+              </a:rPr>
+              <a:t> </a:t>
+            </a:r>
+            <a:r>
+              <a:rPr lang="de-DE" sz="2800" b="1" u="sng" dirty="0" err="1">
+                <a:solidFill>
+                  <a:srgbClr val="1BE1A8"/>
+                </a:solidFill>
+              </a:rPr>
+              <a:t>the</a:t>
+            </a:r>
+            <a:r>
+              <a:rPr lang="de-DE" sz="2800" b="1" u="sng" dirty="0">
+                <a:solidFill>
+                  <a:srgbClr val="1BE1A8"/>
+                </a:solidFill>
+              </a:rPr>
+              <a:t> </a:t>
+            </a:r>
+            <a:r>
+              <a:rPr lang="de-DE" sz="2800" b="1" u="sng" dirty="0" err="1">
+                <a:solidFill>
+                  <a:srgbClr val="1BE1A8"/>
+                </a:solidFill>
+              </a:rPr>
+              <a:t>first</a:t>
+            </a:r>
+            <a:r>
+              <a:rPr lang="de-DE" sz="2800" b="1" u="sng" dirty="0">
+                <a:solidFill>
+                  <a:srgbClr val="1BE1A8"/>
+                </a:solidFill>
+              </a:rPr>
+              <a:t> </a:t>
+            </a:r>
+            <a:r>
+              <a:rPr lang="de-DE" sz="2800" b="1" u="sng" dirty="0" err="1">
+                <a:solidFill>
+                  <a:srgbClr val="1BE1A8"/>
+                </a:solidFill>
+              </a:rPr>
+              <a:t>year</a:t>
+            </a:r>
+            <a:endParaRPr lang="de-DE" sz="2800" b="1" u="sng" dirty="0">
+              <a:solidFill>
+                <a:srgbClr val="1BE1A8"/>
+              </a:solidFill>
+            </a:endParaRPr>
+          </a:p>
+        </p:txBody>
+      </p:sp>
+    </p:spTree>
+    <p:extLst>
+      <p:ext uri="{BB962C8B-B14F-4D97-AF65-F5344CB8AC3E}">
+        <p14:creationId xmlns:p14="http://schemas.microsoft.com/office/powerpoint/2010/main" val="3494513160"/>
+      </p:ext>
+    </p:extLst>
+  </p:cSld>
+  <p:clrMapOvr>
+    <a:masterClrMapping/>
+  </p:clrMapOvr>
+</p:sld>
+</file>
+
+<file path=ppt/slides/slide9.xml><?xml version="1.0" encoding="utf-8"?>
+<p:sld xmlns:a="http://schemas.openxmlformats.org/drawingml/2006/main" xmlns:r="http://schemas.openxmlformats.org/officeDocument/2006/relationships" xmlns:p="http://schemas.openxmlformats.org/presentationml/2006/main">
+  <p:cSld>
+    <p:spTree>
+      <p:nvGrpSpPr>
+        <p:cNvPr id="1" name=""/>
+        <p:cNvGrpSpPr/>
+        <p:nvPr/>
+      </p:nvGrpSpPr>
+      <p:grpSpPr>
+        <a:xfrm>
+          <a:off x="0" y="0"/>
+          <a:ext cx="0" cy="0"/>
+          <a:chOff x="0" y="0"/>
+          <a:chExt cx="0" cy="0"/>
+        </a:xfrm>
+      </p:grpSpPr>
+      <p:sp>
+        <p:nvSpPr>
+          <p:cNvPr id="2" name="Foliennummernplatzhalter 1">
+            <a:extLst>
+              <a:ext uri="{FF2B5EF4-FFF2-40B4-BE49-F238E27FC236}">
+                <a16:creationId xmlns:a16="http://schemas.microsoft.com/office/drawing/2014/main" id="{7C6CCD39-55FD-4F70-A4CD-F5B00E768AD9}"/>
+              </a:ext>
+            </a:extLst>
+          </p:cNvPr>
+          <p:cNvSpPr>
+            <a:spLocks noGrp="1"/>
+          </p:cNvSpPr>
+          <p:nvPr>
+            <p:ph type="sldNum" idx="12"/>
+          </p:nvPr>
+        </p:nvSpPr>
+        <p:spPr/>
+        <p:txBody>
+          <a:bodyPr/>
+          <a:lstStyle/>
+          <a:p>
+            <a:pPr marL="0" lvl="0" indent="0" algn="r" rtl="0">
+              <a:spcBef>
+                <a:spcPts val="0"/>
+              </a:spcBef>
+              <a:spcAft>
+                <a:spcPts val="0"/>
+              </a:spcAft>
+              <a:buNone/>
+            </a:pPr>
+            <a:fld id="{00000000-1234-1234-1234-123412341234}" type="slidenum">
+              <a:rPr lang="de-DE" smtClean="0"/>
+              <a:t>9</a:t>
+            </a:fld>
+            <a:endParaRPr lang="de-DE"/>
+          </a:p>
+        </p:txBody>
+      </p:sp>
+      <p:sp>
+        <p:nvSpPr>
+          <p:cNvPr id="4" name="Textfeld 3">
+            <a:extLst>
+              <a:ext uri="{FF2B5EF4-FFF2-40B4-BE49-F238E27FC236}">
+                <a16:creationId xmlns:a16="http://schemas.microsoft.com/office/drawing/2014/main" id="{C2C03463-BE6F-4924-B25A-B8619DBEF6CF}"/>
+              </a:ext>
+            </a:extLst>
+          </p:cNvPr>
+          <p:cNvSpPr txBox="1"/>
+          <p:nvPr/>
+        </p:nvSpPr>
+        <p:spPr>
+          <a:xfrm>
+            <a:off x="804990" y="234002"/>
+            <a:ext cx="9543393" cy="523220"/>
+          </a:xfrm>
+          <a:prstGeom prst="rect">
+            <a:avLst/>
+          </a:prstGeom>
+          <a:noFill/>
+        </p:spPr>
+        <p:txBody>
+          <a:bodyPr wrap="square" rtlCol="0">
+            <a:spAutoFit/>
+          </a:bodyPr>
+          <a:lstStyle/>
+          <a:p>
+            <a:r>
+              <a:rPr lang="de-DE" sz="2800" b="1" u="sng" dirty="0">
+                <a:solidFill>
+                  <a:srgbClr val="1BE1A8"/>
+                </a:solidFill>
+              </a:rPr>
+              <a:t>Further </a:t>
+            </a:r>
+            <a:r>
+              <a:rPr lang="de-DE" sz="2800" b="1" u="sng" dirty="0" err="1">
+                <a:solidFill>
+                  <a:srgbClr val="1BE1A8"/>
+                </a:solidFill>
+              </a:rPr>
+              <a:t>expansion</a:t>
+            </a:r>
+            <a:endParaRPr lang="de-DE" sz="2800" b="1" u="sng" dirty="0">
+              <a:solidFill>
+                <a:srgbClr val="1BE1A8"/>
+              </a:solidFill>
+            </a:endParaRPr>
+          </a:p>
+        </p:txBody>
+      </p:sp>
+      <p:sp>
+        <p:nvSpPr>
+          <p:cNvPr id="8" name="Textfeld 7">
+            <a:extLst>
+              <a:ext uri="{FF2B5EF4-FFF2-40B4-BE49-F238E27FC236}">
+                <a16:creationId xmlns:a16="http://schemas.microsoft.com/office/drawing/2014/main" id="{142FA543-9729-4695-A56A-8961BE42CBF1}"/>
+              </a:ext>
+            </a:extLst>
+          </p:cNvPr>
+          <p:cNvSpPr txBox="1"/>
+          <p:nvPr/>
+        </p:nvSpPr>
+        <p:spPr>
+          <a:xfrm>
+            <a:off x="3354952" y="841828"/>
+            <a:ext cx="5482093" cy="1323439"/>
+          </a:xfrm>
+          <a:prstGeom prst="rect">
+            <a:avLst/>
+          </a:prstGeom>
+          <a:noFill/>
+        </p:spPr>
+        <p:txBody>
+          <a:bodyPr wrap="square" rtlCol="0">
+            <a:spAutoFit/>
+          </a:bodyPr>
+          <a:lstStyle/>
+          <a:p>
+            <a:pPr algn="ctr"/>
+            <a:r>
+              <a:rPr lang="de-DE" sz="8000" b="1" dirty="0">
+                <a:solidFill>
+                  <a:srgbClr val="1BE1A8"/>
+                </a:solidFill>
+              </a:rPr>
+              <a:t>2 863 609</a:t>
+            </a:r>
+          </a:p>
+        </p:txBody>
+      </p:sp>
+      <p:sp>
+        <p:nvSpPr>
+          <p:cNvPr id="12" name="Textfeld 11">
+            <a:extLst>
+              <a:ext uri="{FF2B5EF4-FFF2-40B4-BE49-F238E27FC236}">
+                <a16:creationId xmlns:a16="http://schemas.microsoft.com/office/drawing/2014/main" id="{9EEE577F-63BE-4646-885E-D7108B263EC9}"/>
+              </a:ext>
+            </a:extLst>
+          </p:cNvPr>
+          <p:cNvSpPr txBox="1"/>
+          <p:nvPr/>
+        </p:nvSpPr>
+        <p:spPr>
+          <a:xfrm>
+            <a:off x="4522380" y="2058045"/>
+            <a:ext cx="3147238" cy="400110"/>
+          </a:xfrm>
+          <a:prstGeom prst="rect">
+            <a:avLst/>
+          </a:prstGeom>
+          <a:noFill/>
+        </p:spPr>
+        <p:txBody>
+          <a:bodyPr wrap="square" rtlCol="0">
+            <a:spAutoFit/>
+          </a:bodyPr>
+          <a:lstStyle/>
+          <a:p>
+            <a:pPr algn="ctr"/>
+            <a:r>
+              <a:rPr lang="de-DE" sz="2000" b="1" dirty="0" err="1"/>
+              <a:t>Students</a:t>
+            </a:r>
+            <a:r>
+              <a:rPr lang="de-DE" sz="2000" b="1" dirty="0"/>
+              <a:t> in Germany</a:t>
+            </a:r>
+          </a:p>
+        </p:txBody>
+      </p:sp>
+      <p:sp>
+        <p:nvSpPr>
+          <p:cNvPr id="14" name="Textfeld 13">
+            <a:extLst>
+              <a:ext uri="{FF2B5EF4-FFF2-40B4-BE49-F238E27FC236}">
+                <a16:creationId xmlns:a16="http://schemas.microsoft.com/office/drawing/2014/main" id="{35A4BF7A-FF0C-4A25-9B6C-A7330657917E}"/>
+              </a:ext>
+            </a:extLst>
+          </p:cNvPr>
+          <p:cNvSpPr txBox="1"/>
+          <p:nvPr/>
+        </p:nvSpPr>
+        <p:spPr>
+          <a:xfrm>
+            <a:off x="4107711" y="4306895"/>
+            <a:ext cx="3976576" cy="1323439"/>
+          </a:xfrm>
+          <a:prstGeom prst="rect">
+            <a:avLst/>
+          </a:prstGeom>
+          <a:noFill/>
+        </p:spPr>
+        <p:txBody>
+          <a:bodyPr wrap="square" rtlCol="0">
+            <a:spAutoFit/>
+          </a:bodyPr>
+          <a:lstStyle/>
+          <a:p>
+            <a:pPr algn="ctr"/>
+            <a:r>
+              <a:rPr lang="de-DE" sz="8000" b="1" dirty="0">
+                <a:solidFill>
+                  <a:srgbClr val="1BE1A8"/>
+                </a:solidFill>
+              </a:rPr>
+              <a:t>75 000</a:t>
+            </a:r>
+          </a:p>
+        </p:txBody>
+      </p:sp>
+      <p:sp>
+        <p:nvSpPr>
+          <p:cNvPr id="16" name="Textfeld 15">
+            <a:extLst>
+              <a:ext uri="{FF2B5EF4-FFF2-40B4-BE49-F238E27FC236}">
+                <a16:creationId xmlns:a16="http://schemas.microsoft.com/office/drawing/2014/main" id="{7B344E90-9DE2-4E54-9B45-4086DDF526A2}"/>
+              </a:ext>
+            </a:extLst>
+          </p:cNvPr>
+          <p:cNvSpPr txBox="1"/>
+          <p:nvPr/>
+        </p:nvSpPr>
+        <p:spPr>
+          <a:xfrm>
+            <a:off x="4522381" y="5451395"/>
+            <a:ext cx="3147238" cy="707886"/>
+          </a:xfrm>
+          <a:prstGeom prst="rect">
+            <a:avLst/>
+          </a:prstGeom>
+          <a:noFill/>
+        </p:spPr>
+        <p:txBody>
+          <a:bodyPr wrap="square" rtlCol="0">
+            <a:spAutoFit/>
+          </a:bodyPr>
+          <a:lstStyle/>
+          <a:p>
+            <a:pPr algn="ctr"/>
+            <a:r>
+              <a:rPr lang="de-DE" sz="2000" b="1" dirty="0"/>
+              <a:t>User </a:t>
+            </a:r>
+            <a:r>
+              <a:rPr lang="de-DE" sz="2000" b="1" dirty="0" err="1"/>
+              <a:t>of</a:t>
+            </a:r>
+            <a:r>
+              <a:rPr lang="de-DE" sz="2000" b="1" dirty="0"/>
+              <a:t> </a:t>
+            </a:r>
+            <a:r>
+              <a:rPr lang="de-DE" sz="2000" b="1" dirty="0">
+                <a:solidFill>
+                  <a:srgbClr val="1BE1A8"/>
+                </a:solidFill>
+              </a:rPr>
+              <a:t>FoundingBuddies.com</a:t>
+            </a:r>
+          </a:p>
+        </p:txBody>
+      </p:sp>
+      <p:sp>
+        <p:nvSpPr>
+          <p:cNvPr id="18" name="Pfeil: nach unten 17">
+            <a:extLst>
+              <a:ext uri="{FF2B5EF4-FFF2-40B4-BE49-F238E27FC236}">
+                <a16:creationId xmlns:a16="http://schemas.microsoft.com/office/drawing/2014/main" id="{2DD2DEBC-1D68-4052-8013-BF2111D744BB}"/>
+              </a:ext>
+            </a:extLst>
+          </p:cNvPr>
+          <p:cNvSpPr/>
+          <p:nvPr/>
+        </p:nvSpPr>
+        <p:spPr>
+          <a:xfrm>
+            <a:off x="5273083" y="2458155"/>
+            <a:ext cx="1645830" cy="1986638"/>
+          </a:xfrm>
+          <a:prstGeom prst="downArrow">
+            <a:avLst>
+              <a:gd name="adj1" fmla="val 50000"/>
+              <a:gd name="adj2" fmla="val 51318"/>
+            </a:avLst>
+          </a:prstGeom>
+          <a:solidFill>
+            <a:srgbClr val="1BE1A8"/>
+          </a:solidFill>
+          <a:ln w="28575">
+            <a:solidFill>
+              <a:schemeClr val="tx1"/>
+            </a:solidFill>
+          </a:ln>
+        </p:spPr>
+        <p:style>
+          <a:lnRef idx="2">
+            <a:schemeClr val="accent1">
+              <a:shade val="50000"/>
+            </a:schemeClr>
+          </a:lnRef>
+          <a:fillRef idx="1">
+            <a:schemeClr val="accent1"/>
+          </a:fillRef>
+          <a:effectRef idx="0">
+            <a:schemeClr val="accent1"/>
+          </a:effectRef>
+          <a:fontRef idx="minor">
+            <a:schemeClr val="lt1"/>
+          </a:fontRef>
+        </p:style>
+        <p:txBody>
+          <a:bodyPr rtlCol="0" anchor="ctr"/>
+          <a:lstStyle/>
+          <a:p>
+            <a:pPr algn="ctr"/>
+            <a:endParaRPr lang="de-DE"/>
+          </a:p>
+        </p:txBody>
+      </p:sp>
+    </p:spTree>
+    <p:extLst>
+      <p:ext uri="{BB962C8B-B14F-4D97-AF65-F5344CB8AC3E}">
+        <p14:creationId xmlns:p14="http://schemas.microsoft.com/office/powerpoint/2010/main" val="2474579512"/>
+      </p:ext>
+    </p:extLst>
+  </p:cSld>
+  <p:clrMapOvr>
+    <a:masterClrMapping/>
+  </p:clrMapOvr>
+</p:sld>
+</file>
+
 <file path=ppt/theme/theme1.xml><?xml version="1.0" encoding="utf-8"?>
 <a:theme xmlns:a="http://schemas.openxmlformats.org/drawingml/2006/main" name="Office Theme">
   <a:themeElements>

--- a/FoundingBuddies/FoundingBuddies_Pitch.pptx
+++ b/FoundingBuddies/FoundingBuddies_Pitch.pptx
@@ -285,7 +285,7 @@
       </p15:sldGuideLst>
     </p:ext>
     <p:ext uri="http://customooxmlschemas.google.com/">
-      <go:slidesCustomData xmlns="" xmlns:mc="http://schemas.openxmlformats.org/markup-compatibility/2006" xmlns:mv="urn:schemas-microsoft-com:mac:vml" xmlns:c="http://schemas.openxmlformats.org/drawingml/2006/chart" xmlns:dgm="http://schemas.openxmlformats.org/drawingml/2006/diagram" xmlns:o="urn:schemas-microsoft-com:office:office" xmlns:v="urn:schemas-microsoft-com:vml" xmlns:pvml="urn:schemas-microsoft-com:office:powerpoint" xmlns:com="http://schemas.openxmlformats.org/drawingml/2006/compatibility" xmlns:p14="http://schemas.microsoft.com/office/powerpoint/2010/main" xmlns:p15="http://schemas.microsoft.com/office/powerpoint/2012/main" xmlns:go="http://customooxmlschemas.google.com/" r:id="rId12" roundtripDataSignature="AMtx7miPr667UYF9sXkcN0EMU6WIr85DMA=="/>
+      <go:slidesCustomData xmlns:go="http://customooxmlschemas.google.com/" xmlns:p15="http://schemas.microsoft.com/office/powerpoint/2012/main" xmlns:p14="http://schemas.microsoft.com/office/powerpoint/2010/main" xmlns:com="http://schemas.openxmlformats.org/drawingml/2006/compatibility" xmlns:pvml="urn:schemas-microsoft-com:office:powerpoint" xmlns:v="urn:schemas-microsoft-com:vml" xmlns:o="urn:schemas-microsoft-com:office:office" xmlns:dgm="http://schemas.openxmlformats.org/drawingml/2006/diagram" xmlns:c="http://schemas.openxmlformats.org/drawingml/2006/chart" xmlns:mv="urn:schemas-microsoft-com:mac:vml" xmlns:mc="http://schemas.openxmlformats.org/markup-compatibility/2006" xmlns="" r:id="rId12" roundtripDataSignature="AMtx7miPr667UYF9sXkcN0EMU6WIr85DMA=="/>
     </p:ext>
   </p:extLst>
 </p:presentation>
@@ -20462,9 +20462,9 @@
         <p:grpSpPr>
           <a:xfrm>
             <a:off x="492524" y="953705"/>
-            <a:ext cx="8628130" cy="5767770"/>
+            <a:ext cx="8628130" cy="5421784"/>
             <a:chOff x="578933" y="588580"/>
-            <a:chExt cx="8503751" cy="5767770"/>
+            <a:chExt cx="8503751" cy="5788202"/>
           </a:xfrm>
         </p:grpSpPr>
         <p:sp>
@@ -20481,7 +20481,7 @@
           </p:nvSpPr>
           <p:spPr>
             <a:xfrm>
-              <a:off x="3070765" y="720252"/>
+              <a:off x="3091033" y="718507"/>
               <a:ext cx="2974428" cy="461665"/>
             </a:xfrm>
             <a:prstGeom prst="rect">
@@ -20744,7 +20744,7 @@
           </p:nvSpPr>
           <p:spPr>
             <a:xfrm>
-              <a:off x="3087686" y="5676083"/>
+              <a:off x="3081277" y="5764799"/>
               <a:ext cx="2993942" cy="461665"/>
             </a:xfrm>
             <a:prstGeom prst="rect">
@@ -20829,9 +20829,9 @@
           <p:grpSpPr>
             <a:xfrm>
               <a:off x="578933" y="588580"/>
-              <a:ext cx="2646878" cy="5767770"/>
+              <a:ext cx="2646878" cy="5788202"/>
               <a:chOff x="578933" y="542413"/>
-              <a:chExt cx="2646878" cy="5552769"/>
+              <a:chExt cx="2646878" cy="5572439"/>
             </a:xfrm>
           </p:grpSpPr>
           <p:sp>
@@ -20849,7 +20849,7 @@
             <p:spPr>
               <a:xfrm>
                 <a:off x="578933" y="542413"/>
-                <a:ext cx="2646878" cy="707886"/>
+                <a:ext cx="2646878" cy="727556"/>
               </a:xfrm>
               <a:prstGeom prst="rect">
                 <a:avLst/>
@@ -20869,7 +20869,7 @@
                       <a:schemeClr val="tx1"/>
                     </a:solidFill>
                   </a:rPr>
-                  <a:t>120.000</a:t>
+                  <a:t>120 000</a:t>
                 </a:r>
                 <a:endParaRPr lang="de-DE" sz="2400" b="1" dirty="0">
                   <a:solidFill>
@@ -20894,7 +20894,7 @@
             <p:spPr>
               <a:xfrm>
                 <a:off x="886704" y="2157374"/>
-                <a:ext cx="2031325" cy="707886"/>
+                <a:ext cx="2031325" cy="727556"/>
               </a:xfrm>
               <a:prstGeom prst="rect">
                 <a:avLst/>
@@ -20914,7 +20914,7 @@
                       <a:schemeClr val="tx1"/>
                     </a:solidFill>
                   </a:rPr>
-                  <a:t>12.000</a:t>
+                  <a:t>12 000</a:t>
                 </a:r>
                 <a:endParaRPr lang="de-DE" sz="2400" b="1" dirty="0">
                   <a:solidFill>
@@ -20939,7 +20939,7 @@
             <p:spPr>
               <a:xfrm>
                 <a:off x="886704" y="3772335"/>
-                <a:ext cx="2031325" cy="707886"/>
+                <a:ext cx="2031325" cy="727556"/>
               </a:xfrm>
               <a:prstGeom prst="rect">
                 <a:avLst/>
@@ -20959,7 +20959,7 @@
                       <a:schemeClr val="tx1"/>
                     </a:solidFill>
                   </a:rPr>
-                  <a:t>6.000</a:t>
+                  <a:t>6 000</a:t>
                 </a:r>
                 <a:endParaRPr lang="de-DE" sz="2400" b="1" dirty="0">
                   <a:solidFill>
@@ -20984,7 +20984,7 @@
             <p:spPr>
               <a:xfrm>
                 <a:off x="886703" y="5387296"/>
-                <a:ext cx="2031325" cy="707886"/>
+                <a:ext cx="2031325" cy="727556"/>
               </a:xfrm>
               <a:prstGeom prst="rect">
                 <a:avLst/>
@@ -21004,7 +21004,7 @@
                       <a:schemeClr val="tx1"/>
                     </a:solidFill>
                   </a:rPr>
-                  <a:t>3.000</a:t>
+                  <a:t>3 000</a:t>
                 </a:r>
                 <a:endParaRPr lang="de-DE" sz="2400" b="1" dirty="0">
                   <a:solidFill>
@@ -21029,9 +21029,9 @@
           </p:nvGrpSpPr>
           <p:grpSpPr>
             <a:xfrm>
-              <a:off x="1476696" y="1244496"/>
+              <a:off x="1476694" y="1344059"/>
               <a:ext cx="851337" cy="1036361"/>
-              <a:chOff x="1476696" y="1244496"/>
+              <a:chOff x="1476694" y="1344059"/>
               <a:chExt cx="851337" cy="1036361"/>
             </a:xfrm>
           </p:grpSpPr>
@@ -21049,7 +21049,7 @@
             </p:nvSpPr>
             <p:spPr>
               <a:xfrm>
-                <a:off x="1476696" y="1244496"/>
+                <a:off x="1476694" y="1344059"/>
                 <a:ext cx="851337" cy="1036361"/>
               </a:xfrm>
               <a:prstGeom prst="downArrow">
@@ -21101,7 +21101,7 @@
             </p:nvSpPr>
             <p:spPr>
               <a:xfrm rot="5400000">
-                <a:off x="1412440" y="1531844"/>
+                <a:off x="1412438" y="1631407"/>
                 <a:ext cx="979846" cy="461665"/>
               </a:xfrm>
               <a:prstGeom prst="rect">
@@ -21141,9 +21141,9 @@
           </p:nvGrpSpPr>
           <p:grpSpPr>
             <a:xfrm>
-              <a:off x="1476694" y="2874538"/>
+              <a:off x="1476694" y="2997968"/>
               <a:ext cx="851337" cy="1036361"/>
-              <a:chOff x="1476696" y="1244496"/>
+              <a:chOff x="1476696" y="1367926"/>
               <a:chExt cx="851337" cy="1036361"/>
             </a:xfrm>
           </p:grpSpPr>
@@ -21161,7 +21161,7 @@
             </p:nvSpPr>
             <p:spPr>
               <a:xfrm>
-                <a:off x="1476696" y="1244496"/>
+                <a:off x="1476696" y="1367926"/>
                 <a:ext cx="851337" cy="1036361"/>
               </a:xfrm>
               <a:prstGeom prst="downArrow">
@@ -21213,7 +21213,7 @@
             </p:nvSpPr>
             <p:spPr>
               <a:xfrm rot="5400000">
-                <a:off x="1412440" y="1531844"/>
+                <a:off x="1412440" y="1655277"/>
                 <a:ext cx="979846" cy="461665"/>
               </a:xfrm>
               <a:prstGeom prst="rect">
@@ -21253,9 +21253,9 @@
           </p:nvGrpSpPr>
           <p:grpSpPr>
             <a:xfrm>
-              <a:off x="1476694" y="4548886"/>
+              <a:off x="1476694" y="4638646"/>
               <a:ext cx="851337" cy="1036361"/>
-              <a:chOff x="1476696" y="1244496"/>
+              <a:chOff x="1476696" y="1334256"/>
               <a:chExt cx="851337" cy="1036361"/>
             </a:xfrm>
           </p:grpSpPr>
@@ -21273,7 +21273,7 @@
             </p:nvSpPr>
             <p:spPr>
               <a:xfrm>
-                <a:off x="1476696" y="1244496"/>
+                <a:off x="1476696" y="1334256"/>
                 <a:ext cx="851337" cy="1036361"/>
               </a:xfrm>
               <a:prstGeom prst="downArrow">
@@ -21325,7 +21325,7 @@
             </p:nvSpPr>
             <p:spPr>
               <a:xfrm rot="5400000">
-                <a:off x="1412440" y="1531844"/>
+                <a:off x="1412440" y="1621608"/>
                 <a:ext cx="979846" cy="461665"/>
               </a:xfrm>
               <a:prstGeom prst="rect">
@@ -21465,6 +21465,35 @@
                 <a:srgbClr val="1BE1A8"/>
               </a:solidFill>
             </a:endParaRPr>
+          </a:p>
+        </p:txBody>
+      </p:sp>
+      <p:sp>
+        <p:nvSpPr>
+          <p:cNvPr id="7" name="Datumsplatzhalter 6">
+            <a:extLst>
+              <a:ext uri="{FF2B5EF4-FFF2-40B4-BE49-F238E27FC236}">
+                <a16:creationId xmlns:a16="http://schemas.microsoft.com/office/drawing/2014/main" id="{5A9A89A8-27D3-4949-9B88-C26EC790B607}"/>
+              </a:ext>
+            </a:extLst>
+          </p:cNvPr>
+          <p:cNvSpPr>
+            <a:spLocks noGrp="1"/>
+          </p:cNvSpPr>
+          <p:nvPr>
+            <p:ph type="dt" idx="10"/>
+          </p:nvPr>
+        </p:nvSpPr>
+        <p:spPr/>
+        <p:txBody>
+          <a:bodyPr/>
+          <a:lstStyle/>
+          <a:p>
+            <a:fld id="{7C95C985-B63F-4CCF-83C5-9EDB58BB196F}" type="datetime1">
+              <a:rPr lang="de-DE" smtClean="0"/>
+              <a:t>01.10.2019</a:t>
+            </a:fld>
+            <a:endParaRPr lang="de-DE"/>
           </a:p>
         </p:txBody>
       </p:sp>
@@ -21813,6 +21842,127 @@
           <a:lstStyle/>
           <a:p>
             <a:pPr algn="ctr"/>
+            <a:endParaRPr lang="de-DE"/>
+          </a:p>
+        </p:txBody>
+      </p:sp>
+      <p:sp>
+        <p:nvSpPr>
+          <p:cNvPr id="3" name="Rechteck: abgerundete Ecken 2">
+            <a:extLst>
+              <a:ext uri="{FF2B5EF4-FFF2-40B4-BE49-F238E27FC236}">
+                <a16:creationId xmlns:a16="http://schemas.microsoft.com/office/drawing/2014/main" id="{412FA3ED-60BF-46A5-BFAC-0793EE57636D}"/>
+              </a:ext>
+            </a:extLst>
+          </p:cNvPr>
+          <p:cNvSpPr/>
+          <p:nvPr/>
+        </p:nvSpPr>
+        <p:spPr>
+          <a:xfrm>
+            <a:off x="3254025" y="757223"/>
+            <a:ext cx="5683945" cy="5599127"/>
+          </a:xfrm>
+          <a:prstGeom prst="roundRect">
+            <a:avLst/>
+          </a:prstGeom>
+          <a:noFill/>
+          <a:ln>
+            <a:solidFill>
+              <a:schemeClr val="tx1"/>
+            </a:solidFill>
+          </a:ln>
+        </p:spPr>
+        <p:style>
+          <a:lnRef idx="2">
+            <a:schemeClr val="accent1">
+              <a:shade val="50000"/>
+            </a:schemeClr>
+          </a:lnRef>
+          <a:fillRef idx="1">
+            <a:schemeClr val="accent1"/>
+          </a:fillRef>
+          <a:effectRef idx="0">
+            <a:schemeClr val="accent1"/>
+          </a:effectRef>
+          <a:fontRef idx="minor">
+            <a:schemeClr val="lt1"/>
+          </a:fontRef>
+        </p:style>
+        <p:txBody>
+          <a:bodyPr rtlCol="0" anchor="ctr"/>
+          <a:lstStyle/>
+          <a:p>
+            <a:pPr algn="ctr"/>
+            <a:endParaRPr lang="de-DE"/>
+          </a:p>
+        </p:txBody>
+      </p:sp>
+      <p:sp>
+        <p:nvSpPr>
+          <p:cNvPr id="5" name="Textfeld 4">
+            <a:extLst>
+              <a:ext uri="{FF2B5EF4-FFF2-40B4-BE49-F238E27FC236}">
+                <a16:creationId xmlns:a16="http://schemas.microsoft.com/office/drawing/2014/main" id="{DA2609BC-FCCF-42CE-B805-3D5A3AF23A31}"/>
+              </a:ext>
+            </a:extLst>
+          </p:cNvPr>
+          <p:cNvSpPr txBox="1"/>
+          <p:nvPr/>
+        </p:nvSpPr>
+        <p:spPr>
+          <a:xfrm>
+            <a:off x="5665110" y="2626982"/>
+            <a:ext cx="861774" cy="1384995"/>
+          </a:xfrm>
+          <a:prstGeom prst="rect">
+            <a:avLst/>
+          </a:prstGeom>
+          <a:noFill/>
+        </p:spPr>
+        <p:txBody>
+          <a:bodyPr vert="vert" wrap="square" rtlCol="0">
+            <a:spAutoFit/>
+          </a:bodyPr>
+          <a:lstStyle/>
+          <a:p>
+            <a:pPr algn="ctr"/>
+            <a:r>
+              <a:rPr lang="de-DE" sz="4400" b="1" dirty="0">
+                <a:solidFill>
+                  <a:schemeClr val="bg1"/>
+                </a:solidFill>
+              </a:rPr>
+              <a:t>2.5%</a:t>
+            </a:r>
+          </a:p>
+        </p:txBody>
+      </p:sp>
+      <p:sp>
+        <p:nvSpPr>
+          <p:cNvPr id="6" name="Datumsplatzhalter 5">
+            <a:extLst>
+              <a:ext uri="{FF2B5EF4-FFF2-40B4-BE49-F238E27FC236}">
+                <a16:creationId xmlns:a16="http://schemas.microsoft.com/office/drawing/2014/main" id="{D624E1C0-9A88-450E-A480-04C94A231719}"/>
+              </a:ext>
+            </a:extLst>
+          </p:cNvPr>
+          <p:cNvSpPr>
+            <a:spLocks noGrp="1"/>
+          </p:cNvSpPr>
+          <p:nvPr>
+            <p:ph type="dt" idx="10"/>
+          </p:nvPr>
+        </p:nvSpPr>
+        <p:spPr/>
+        <p:txBody>
+          <a:bodyPr/>
+          <a:lstStyle/>
+          <a:p>
+            <a:fld id="{D5A008A0-A4D0-42AA-92BC-A9DCA06EFECA}" type="datetime1">
+              <a:rPr lang="de-DE" smtClean="0"/>
+              <a:t>01.10.2019</a:t>
+            </a:fld>
             <a:endParaRPr lang="de-DE"/>
           </a:p>
         </p:txBody>

--- a/FoundingBuddies/FoundingBuddies_Pitch.pptx
+++ b/FoundingBuddies/FoundingBuddies_Pitch.pptx
@@ -285,7 +285,7 @@
       </p15:sldGuideLst>
     </p:ext>
     <p:ext uri="http://customooxmlschemas.google.com/">
-      <go:slidesCustomData xmlns:go="http://customooxmlschemas.google.com/" xmlns:p15="http://schemas.microsoft.com/office/powerpoint/2012/main" xmlns:p14="http://schemas.microsoft.com/office/powerpoint/2010/main" xmlns:com="http://schemas.openxmlformats.org/drawingml/2006/compatibility" xmlns:pvml="urn:schemas-microsoft-com:office:powerpoint" xmlns:v="urn:schemas-microsoft-com:vml" xmlns:o="urn:schemas-microsoft-com:office:office" xmlns:dgm="http://schemas.openxmlformats.org/drawingml/2006/diagram" xmlns:c="http://schemas.openxmlformats.org/drawingml/2006/chart" xmlns:mv="urn:schemas-microsoft-com:mac:vml" xmlns:mc="http://schemas.openxmlformats.org/markup-compatibility/2006" xmlns="" r:id="rId12" roundtripDataSignature="AMtx7miPr667UYF9sXkcN0EMU6WIr85DMA=="/>
+      <go:slidesCustomData xmlns="" xmlns:mc="http://schemas.openxmlformats.org/markup-compatibility/2006" xmlns:mv="urn:schemas-microsoft-com:mac:vml" xmlns:c="http://schemas.openxmlformats.org/drawingml/2006/chart" xmlns:dgm="http://schemas.openxmlformats.org/drawingml/2006/diagram" xmlns:o="urn:schemas-microsoft-com:office:office" xmlns:v="urn:schemas-microsoft-com:vml" xmlns:pvml="urn:schemas-microsoft-com:office:powerpoint" xmlns:com="http://schemas.openxmlformats.org/drawingml/2006/compatibility" xmlns:p14="http://schemas.microsoft.com/office/powerpoint/2010/main" xmlns:p15="http://schemas.microsoft.com/office/powerpoint/2012/main" xmlns:go="http://customooxmlschemas.google.com/" r:id="rId12" roundtripDataSignature="AMtx7miPr667UYF9sXkcN0EMU6WIr85DMA=="/>
     </p:ext>
   </p:extLst>
 </p:presentation>
@@ -21561,7 +21561,7 @@
               <a:rPr lang="de-DE" smtClean="0"/>
               <a:t>9</a:t>
             </a:fld>
-            <a:endParaRPr lang="de-DE"/>
+            <a:endParaRPr lang="de-DE" dirty="0"/>
           </a:p>
         </p:txBody>
       </p:sp>
@@ -21631,8 +21631,8 @@
         </p:nvSpPr>
         <p:spPr>
           <a:xfrm>
-            <a:off x="3354952" y="841828"/>
-            <a:ext cx="5482093" cy="1323439"/>
+            <a:off x="3541428" y="842943"/>
+            <a:ext cx="5122387" cy="1323439"/>
           </a:xfrm>
           <a:prstGeom prst="rect">
             <a:avLst/>
@@ -21671,8 +21671,8 @@
         </p:nvSpPr>
         <p:spPr>
           <a:xfrm>
-            <a:off x="4522380" y="2058045"/>
-            <a:ext cx="3147238" cy="400110"/>
+            <a:off x="4708856" y="1998575"/>
+            <a:ext cx="2940734" cy="400110"/>
           </a:xfrm>
           <a:prstGeom prst="rect">
             <a:avLst/>
@@ -21711,8 +21711,8 @@
         </p:nvSpPr>
         <p:spPr>
           <a:xfrm>
-            <a:off x="4107711" y="4306895"/>
-            <a:ext cx="3976576" cy="1323439"/>
+            <a:off x="4294187" y="4308010"/>
+            <a:ext cx="3715654" cy="1323439"/>
           </a:xfrm>
           <a:prstGeom prst="rect">
             <a:avLst/>
@@ -21751,8 +21751,8 @@
         </p:nvSpPr>
         <p:spPr>
           <a:xfrm>
-            <a:off x="4522381" y="5451395"/>
-            <a:ext cx="3147238" cy="707886"/>
+            <a:off x="4708857" y="5412121"/>
+            <a:ext cx="2940732" cy="707886"/>
           </a:xfrm>
           <a:prstGeom prst="rect">
             <a:avLst/>
@@ -21768,7 +21768,7 @@
             <a:pPr algn="ctr"/>
             <a:r>
               <a:rPr lang="de-DE" sz="2000" b="1" dirty="0"/>
-              <a:t>User </a:t>
+              <a:t>Users </a:t>
             </a:r>
             <a:r>
               <a:rPr lang="de-DE" sz="2000" b="1" dirty="0" err="1"/>
@@ -21803,8 +21803,8 @@
         </p:nvSpPr>
         <p:spPr>
           <a:xfrm>
-            <a:off x="5273083" y="2458155"/>
-            <a:ext cx="1645830" cy="1986638"/>
+            <a:off x="5459559" y="2502785"/>
+            <a:ext cx="1537840" cy="1856286"/>
           </a:xfrm>
           <a:prstGeom prst="downArrow">
             <a:avLst>
@@ -21860,8 +21860,8 @@
         </p:nvSpPr>
         <p:spPr>
           <a:xfrm>
-            <a:off x="3254025" y="757223"/>
-            <a:ext cx="5683945" cy="5599127"/>
+            <a:off x="3440502" y="1038885"/>
+            <a:ext cx="5310996" cy="5231743"/>
           </a:xfrm>
           <a:prstGeom prst="roundRect">
             <a:avLst/>
@@ -21912,8 +21912,8 @@
         </p:nvSpPr>
         <p:spPr>
           <a:xfrm>
-            <a:off x="5665110" y="2626982"/>
-            <a:ext cx="861774" cy="1384995"/>
+            <a:off x="5795041" y="2632136"/>
+            <a:ext cx="861774" cy="1443571"/>
           </a:xfrm>
           <a:prstGeom prst="rect">
             <a:avLst/>

--- a/FoundingBuddies/FoundingBuddies_Pitch.pptx
+++ b/FoundingBuddies/FoundingBuddies_Pitch.pptx
@@ -285,7 +285,7 @@
       </p15:sldGuideLst>
     </p:ext>
     <p:ext uri="http://customooxmlschemas.google.com/">
-      <go:slidesCustomData xmlns="" xmlns:mc="http://schemas.openxmlformats.org/markup-compatibility/2006" xmlns:mv="urn:schemas-microsoft-com:mac:vml" xmlns:c="http://schemas.openxmlformats.org/drawingml/2006/chart" xmlns:dgm="http://schemas.openxmlformats.org/drawingml/2006/diagram" xmlns:o="urn:schemas-microsoft-com:office:office" xmlns:v="urn:schemas-microsoft-com:vml" xmlns:pvml="urn:schemas-microsoft-com:office:powerpoint" xmlns:com="http://schemas.openxmlformats.org/drawingml/2006/compatibility" xmlns:p14="http://schemas.microsoft.com/office/powerpoint/2010/main" xmlns:p15="http://schemas.microsoft.com/office/powerpoint/2012/main" xmlns:go="http://customooxmlschemas.google.com/" r:id="rId12" roundtripDataSignature="AMtx7miPr667UYF9sXkcN0EMU6WIr85DMA=="/>
+      <go:slidesCustomData xmlns:go="http://customooxmlschemas.google.com/" xmlns:p15="http://schemas.microsoft.com/office/powerpoint/2012/main" xmlns:p14="http://schemas.microsoft.com/office/powerpoint/2010/main" xmlns:com="http://schemas.openxmlformats.org/drawingml/2006/compatibility" xmlns:pvml="urn:schemas-microsoft-com:office:powerpoint" xmlns:v="urn:schemas-microsoft-com:vml" xmlns:o="urn:schemas-microsoft-com:office:office" xmlns:dgm="http://schemas.openxmlformats.org/drawingml/2006/diagram" xmlns:c="http://schemas.openxmlformats.org/drawingml/2006/chart" xmlns:mv="urn:schemas-microsoft-com:mac:vml" xmlns:mc="http://schemas.openxmlformats.org/markup-compatibility/2006" xmlns="" r:id="rId12" roundtripDataSignature="AMtx7miPr667UYF9sXkcN0EMU6WIr85DMA=="/>
     </p:ext>
   </p:extLst>
 </p:presentation>
@@ -21491,7 +21491,7 @@
           <a:p>
             <a:fld id="{7C95C985-B63F-4CCF-83C5-9EDB58BB196F}" type="datetime1">
               <a:rPr lang="de-DE" smtClean="0"/>
-              <a:t>01.10.2019</a:t>
+              <a:t>02.10.2019</a:t>
             </a:fld>
             <a:endParaRPr lang="de-DE"/>
           </a:p>
@@ -21860,8 +21860,8 @@
         </p:nvSpPr>
         <p:spPr>
           <a:xfrm>
-            <a:off x="3440502" y="1038885"/>
-            <a:ext cx="5310996" cy="5231743"/>
+            <a:off x="3440502" y="842943"/>
+            <a:ext cx="5310996" cy="5427685"/>
           </a:xfrm>
           <a:prstGeom prst="roundRect">
             <a:avLst/>
@@ -21961,7 +21961,7 @@
           <a:p>
             <a:fld id="{D5A008A0-A4D0-42AA-92BC-A9DCA06EFECA}" type="datetime1">
               <a:rPr lang="de-DE" smtClean="0"/>
-              <a:t>01.10.2019</a:t>
+              <a:t>02.10.2019</a:t>
             </a:fld>
             <a:endParaRPr lang="de-DE"/>
           </a:p>
